--- a/materi/Web-React-Heroku_firebase.pptx
+++ b/materi/Web-React-Heroku_firebase.pptx
@@ -8,43 +8,45 @@
     <p:sldId id="256" r:id="rId2"/>
     <p:sldId id="257" r:id="rId3"/>
     <p:sldId id="258" r:id="rId4"/>
-    <p:sldId id="259" r:id="rId5"/>
-    <p:sldId id="260" r:id="rId6"/>
-    <p:sldId id="261" r:id="rId7"/>
-    <p:sldId id="262" r:id="rId8"/>
-    <p:sldId id="263" r:id="rId9"/>
-    <p:sldId id="264" r:id="rId10"/>
-    <p:sldId id="265" r:id="rId11"/>
-    <p:sldId id="266" r:id="rId12"/>
-    <p:sldId id="267" r:id="rId13"/>
-    <p:sldId id="268" r:id="rId14"/>
-    <p:sldId id="269" r:id="rId15"/>
-    <p:sldId id="270" r:id="rId16"/>
-    <p:sldId id="271" r:id="rId17"/>
-    <p:sldId id="272" r:id="rId18"/>
-    <p:sldId id="273" r:id="rId19"/>
-    <p:sldId id="274" r:id="rId20"/>
-    <p:sldId id="275" r:id="rId21"/>
-    <p:sldId id="289" r:id="rId22"/>
-    <p:sldId id="278" r:id="rId23"/>
-    <p:sldId id="279" r:id="rId24"/>
-    <p:sldId id="280" r:id="rId25"/>
-    <p:sldId id="281" r:id="rId26"/>
-    <p:sldId id="282" r:id="rId27"/>
-    <p:sldId id="283" r:id="rId28"/>
-    <p:sldId id="284" r:id="rId29"/>
-    <p:sldId id="285" r:id="rId30"/>
-    <p:sldId id="286" r:id="rId31"/>
-    <p:sldId id="276" r:id="rId32"/>
-    <p:sldId id="287" r:id="rId33"/>
-    <p:sldId id="277" r:id="rId34"/>
-    <p:sldId id="288" r:id="rId35"/>
-    <p:sldId id="295" r:id="rId36"/>
-    <p:sldId id="290" r:id="rId37"/>
-    <p:sldId id="291" r:id="rId38"/>
-    <p:sldId id="292" r:id="rId39"/>
-    <p:sldId id="293" r:id="rId40"/>
-    <p:sldId id="294" r:id="rId41"/>
+    <p:sldId id="296" r:id="rId5"/>
+    <p:sldId id="259" r:id="rId6"/>
+    <p:sldId id="260" r:id="rId7"/>
+    <p:sldId id="261" r:id="rId8"/>
+    <p:sldId id="262" r:id="rId9"/>
+    <p:sldId id="263" r:id="rId10"/>
+    <p:sldId id="264" r:id="rId11"/>
+    <p:sldId id="265" r:id="rId12"/>
+    <p:sldId id="266" r:id="rId13"/>
+    <p:sldId id="267" r:id="rId14"/>
+    <p:sldId id="268" r:id="rId15"/>
+    <p:sldId id="269" r:id="rId16"/>
+    <p:sldId id="270" r:id="rId17"/>
+    <p:sldId id="271" r:id="rId18"/>
+    <p:sldId id="272" r:id="rId19"/>
+    <p:sldId id="273" r:id="rId20"/>
+    <p:sldId id="274" r:id="rId21"/>
+    <p:sldId id="275" r:id="rId22"/>
+    <p:sldId id="289" r:id="rId23"/>
+    <p:sldId id="278" r:id="rId24"/>
+    <p:sldId id="279" r:id="rId25"/>
+    <p:sldId id="280" r:id="rId26"/>
+    <p:sldId id="281" r:id="rId27"/>
+    <p:sldId id="282" r:id="rId28"/>
+    <p:sldId id="283" r:id="rId29"/>
+    <p:sldId id="284" r:id="rId30"/>
+    <p:sldId id="285" r:id="rId31"/>
+    <p:sldId id="286" r:id="rId32"/>
+    <p:sldId id="276" r:id="rId33"/>
+    <p:sldId id="287" r:id="rId34"/>
+    <p:sldId id="277" r:id="rId35"/>
+    <p:sldId id="288" r:id="rId36"/>
+    <p:sldId id="295" r:id="rId37"/>
+    <p:sldId id="297" r:id="rId38"/>
+    <p:sldId id="290" r:id="rId39"/>
+    <p:sldId id="291" r:id="rId40"/>
+    <p:sldId id="292" r:id="rId41"/>
+    <p:sldId id="293" r:id="rId42"/>
+    <p:sldId id="294" r:id="rId43"/>
   </p:sldIdLst>
   <p:sldSz cx="12192000" cy="6858000"/>
   <p:notesSz cx="6858000" cy="9144000"/>
@@ -298,7 +300,7 @@
           <a:p>
             <a:fld id="{40549488-FB51-C141-917D-4271FF176ACD}" type="datetimeFigureOut">
               <a:rPr lang="en-US" smtClean="0"/>
-              <a:t>11/18/19</a:t>
+              <a:t>11/19/19</a:t>
             </a:fld>
             <a:endParaRPr lang="en-US"/>
           </a:p>
@@ -496,7 +498,7 @@
           <a:p>
             <a:fld id="{40549488-FB51-C141-917D-4271FF176ACD}" type="datetimeFigureOut">
               <a:rPr lang="en-US" smtClean="0"/>
-              <a:t>11/18/19</a:t>
+              <a:t>11/19/19</a:t>
             </a:fld>
             <a:endParaRPr lang="en-US"/>
           </a:p>
@@ -704,7 +706,7 @@
           <a:p>
             <a:fld id="{40549488-FB51-C141-917D-4271FF176ACD}" type="datetimeFigureOut">
               <a:rPr lang="en-US" smtClean="0"/>
-              <a:t>11/18/19</a:t>
+              <a:t>11/19/19</a:t>
             </a:fld>
             <a:endParaRPr lang="en-US"/>
           </a:p>
@@ -902,7 +904,7 @@
           <a:p>
             <a:fld id="{40549488-FB51-C141-917D-4271FF176ACD}" type="datetimeFigureOut">
               <a:rPr lang="en-US" smtClean="0"/>
-              <a:t>11/18/19</a:t>
+              <a:t>11/19/19</a:t>
             </a:fld>
             <a:endParaRPr lang="en-US"/>
           </a:p>
@@ -1177,7 +1179,7 @@
           <a:p>
             <a:fld id="{40549488-FB51-C141-917D-4271FF176ACD}" type="datetimeFigureOut">
               <a:rPr lang="en-US" smtClean="0"/>
-              <a:t>11/18/19</a:t>
+              <a:t>11/19/19</a:t>
             </a:fld>
             <a:endParaRPr lang="en-US"/>
           </a:p>
@@ -1442,7 +1444,7 @@
           <a:p>
             <a:fld id="{40549488-FB51-C141-917D-4271FF176ACD}" type="datetimeFigureOut">
               <a:rPr lang="en-US" smtClean="0"/>
-              <a:t>11/18/19</a:t>
+              <a:t>11/19/19</a:t>
             </a:fld>
             <a:endParaRPr lang="en-US"/>
           </a:p>
@@ -1854,7 +1856,7 @@
           <a:p>
             <a:fld id="{40549488-FB51-C141-917D-4271FF176ACD}" type="datetimeFigureOut">
               <a:rPr lang="en-US" smtClean="0"/>
-              <a:t>11/18/19</a:t>
+              <a:t>11/19/19</a:t>
             </a:fld>
             <a:endParaRPr lang="en-US"/>
           </a:p>
@@ -1995,7 +1997,7 @@
           <a:p>
             <a:fld id="{40549488-FB51-C141-917D-4271FF176ACD}" type="datetimeFigureOut">
               <a:rPr lang="en-US" smtClean="0"/>
-              <a:t>11/18/19</a:t>
+              <a:t>11/19/19</a:t>
             </a:fld>
             <a:endParaRPr lang="en-US"/>
           </a:p>
@@ -2108,7 +2110,7 @@
           <a:p>
             <a:fld id="{40549488-FB51-C141-917D-4271FF176ACD}" type="datetimeFigureOut">
               <a:rPr lang="en-US" smtClean="0"/>
-              <a:t>11/18/19</a:t>
+              <a:t>11/19/19</a:t>
             </a:fld>
             <a:endParaRPr lang="en-US"/>
           </a:p>
@@ -2419,7 +2421,7 @@
           <a:p>
             <a:fld id="{40549488-FB51-C141-917D-4271FF176ACD}" type="datetimeFigureOut">
               <a:rPr lang="en-US" smtClean="0"/>
-              <a:t>11/18/19</a:t>
+              <a:t>11/19/19</a:t>
             </a:fld>
             <a:endParaRPr lang="en-US"/>
           </a:p>
@@ -2707,7 +2709,7 @@
           <a:p>
             <a:fld id="{40549488-FB51-C141-917D-4271FF176ACD}" type="datetimeFigureOut">
               <a:rPr lang="en-US" smtClean="0"/>
-              <a:t>11/18/19</a:t>
+              <a:t>11/19/19</a:t>
             </a:fld>
             <a:endParaRPr lang="en-US"/>
           </a:p>
@@ -2948,7 +2950,7 @@
           <a:p>
             <a:fld id="{40549488-FB51-C141-917D-4271FF176ACD}" type="datetimeFigureOut">
               <a:rPr lang="en-US" smtClean="0"/>
-              <a:t>11/18/19</a:t>
+              <a:t>11/19/19</a:t>
             </a:fld>
             <a:endParaRPr lang="en-US"/>
           </a:p>
@@ -3414,7 +3416,33 @@
           <a:bodyPr/>
           <a:lstStyle/>
           <a:p>
-            <a:endParaRPr lang="en-US"/>
+            <a:r>
+              <a:rPr lang="en-US" dirty="0"/>
+              <a:t>Ahmad Wilda </a:t>
+            </a:r>
+            <a:r>
+              <a:rPr lang="en-US" dirty="0" err="1"/>
+              <a:t>Yulianto</a:t>
+            </a:r>
+            <a:endParaRPr lang="en-US" dirty="0"/>
+          </a:p>
+          <a:p>
+            <a:r>
+              <a:rPr lang="en-US" dirty="0" err="1"/>
+              <a:t>Rekayasa</a:t>
+            </a:r>
+            <a:r>
+              <a:rPr lang="en-US" dirty="0"/>
+              <a:t> dan </a:t>
+            </a:r>
+            <a:r>
+              <a:rPr lang="en-US" dirty="0" err="1"/>
+              <a:t>Aplikasi</a:t>
+            </a:r>
+            <a:r>
+              <a:rPr lang="en-US" dirty="0"/>
+              <a:t> Internet</a:t>
+            </a:r>
           </a:p>
         </p:txBody>
       </p:sp>
@@ -3453,6 +3481,544 @@
           <p:cNvPr id="2" name="Title 1">
             <a:extLst>
               <a:ext uri="{FF2B5EF4-FFF2-40B4-BE49-F238E27FC236}">
+                <a16:creationId xmlns:a16="http://schemas.microsoft.com/office/drawing/2014/main" id="{B2BC4354-ACB1-7B48-BA7C-9BD7D26121C8}"/>
+              </a:ext>
+            </a:extLst>
+          </p:cNvPr>
+          <p:cNvSpPr>
+            <a:spLocks noGrp="1"/>
+          </p:cNvSpPr>
+          <p:nvPr>
+            <p:ph type="title"/>
+          </p:nvPr>
+        </p:nvSpPr>
+        <p:spPr/>
+        <p:txBody>
+          <a:bodyPr/>
+          <a:lstStyle/>
+          <a:p>
+            <a:r>
+              <a:rPr lang="en-US" dirty="0"/>
+              <a:t>Compiler, Server dan Loaders</a:t>
+            </a:r>
+          </a:p>
+        </p:txBody>
+      </p:sp>
+      <p:sp>
+        <p:nvSpPr>
+          <p:cNvPr id="3" name="Content Placeholder 2">
+            <a:extLst>
+              <a:ext uri="{FF2B5EF4-FFF2-40B4-BE49-F238E27FC236}">
+                <a16:creationId xmlns:a16="http://schemas.microsoft.com/office/drawing/2014/main" id="{917B16B2-3A99-BA40-A3A6-DE6C2628A3FD}"/>
+              </a:ext>
+            </a:extLst>
+          </p:cNvPr>
+          <p:cNvSpPr>
+            <a:spLocks noGrp="1"/>
+          </p:cNvSpPr>
+          <p:nvPr>
+            <p:ph idx="1"/>
+          </p:nvPr>
+        </p:nvSpPr>
+        <p:spPr/>
+        <p:txBody>
+          <a:bodyPr/>
+          <a:lstStyle/>
+          <a:p>
+            <a:pPr>
+              <a:spcBef>
+                <a:spcPts val="0"/>
+              </a:spcBef>
+            </a:pPr>
+            <a:r>
+              <a:rPr lang="en-US" sz="1400" dirty="0">
+                <a:latin typeface="Century Gothic (Headings)"/>
+                <a:cs typeface="Courier New" panose="02070309020205020404" pitchFamily="49" charset="0"/>
+              </a:rPr>
+              <a:t>create </a:t>
+            </a:r>
+            <a:r>
+              <a:rPr lang="en-US" sz="1400" dirty="0" err="1">
+                <a:latin typeface="Century Gothic (Headings)"/>
+                <a:cs typeface="Courier New" panose="02070309020205020404" pitchFamily="49" charset="0"/>
+              </a:rPr>
+              <a:t>webpack.config.js</a:t>
+            </a:r>
+            <a:endParaRPr lang="en-US" sz="1400" dirty="0">
+              <a:latin typeface="Century Gothic (Headings)"/>
+              <a:cs typeface="Courier New" panose="02070309020205020404" pitchFamily="49" charset="0"/>
+            </a:endParaRPr>
+          </a:p>
+          <a:p>
+            <a:pPr>
+              <a:spcBef>
+                <a:spcPts val="0"/>
+              </a:spcBef>
+            </a:pPr>
+            <a:endParaRPr lang="en-US" sz="1400" dirty="0">
+              <a:latin typeface="Century Gothic (Headings)"/>
+              <a:cs typeface="Courier New" panose="02070309020205020404" pitchFamily="49" charset="0"/>
+            </a:endParaRPr>
+          </a:p>
+          <a:p>
+            <a:pPr marL="400050" lvl="1" indent="0">
+              <a:spcBef>
+                <a:spcPts val="0"/>
+              </a:spcBef>
+              <a:buNone/>
+            </a:pPr>
+            <a:r>
+              <a:rPr lang="en-US" sz="1200" dirty="0">
+                <a:latin typeface="Courier New" panose="02070309020205020404" pitchFamily="49" charset="0"/>
+                <a:cs typeface="Courier New" panose="02070309020205020404" pitchFamily="49" charset="0"/>
+              </a:rPr>
+              <a:t>var config = {</a:t>
+            </a:r>
+          </a:p>
+          <a:p>
+            <a:pPr marL="400050" lvl="1" indent="0">
+              <a:spcBef>
+                <a:spcPts val="0"/>
+              </a:spcBef>
+              <a:buNone/>
+            </a:pPr>
+            <a:r>
+              <a:rPr lang="en-US" sz="1200" dirty="0">
+                <a:latin typeface="Courier New" panose="02070309020205020404" pitchFamily="49" charset="0"/>
+                <a:cs typeface="Courier New" panose="02070309020205020404" pitchFamily="49" charset="0"/>
+              </a:rPr>
+              <a:t>   entry: './</a:t>
+            </a:r>
+            <a:r>
+              <a:rPr lang="en-US" sz="1200" dirty="0" err="1">
+                <a:latin typeface="Courier New" panose="02070309020205020404" pitchFamily="49" charset="0"/>
+                <a:cs typeface="Courier New" panose="02070309020205020404" pitchFamily="49" charset="0"/>
+              </a:rPr>
+              <a:t>src</a:t>
+            </a:r>
+            <a:r>
+              <a:rPr lang="en-US" sz="1200" dirty="0">
+                <a:latin typeface="Courier New" panose="02070309020205020404" pitchFamily="49" charset="0"/>
+                <a:cs typeface="Courier New" panose="02070309020205020404" pitchFamily="49" charset="0"/>
+              </a:rPr>
+              <a:t>/</a:t>
+            </a:r>
+            <a:r>
+              <a:rPr lang="en-US" sz="1200" dirty="0" err="1">
+                <a:latin typeface="Courier New" panose="02070309020205020404" pitchFamily="49" charset="0"/>
+                <a:cs typeface="Courier New" panose="02070309020205020404" pitchFamily="49" charset="0"/>
+              </a:rPr>
+              <a:t>index.js</a:t>
+            </a:r>
+            <a:r>
+              <a:rPr lang="en-US" sz="1200" dirty="0">
+                <a:latin typeface="Courier New" panose="02070309020205020404" pitchFamily="49" charset="0"/>
+                <a:cs typeface="Courier New" panose="02070309020205020404" pitchFamily="49" charset="0"/>
+              </a:rPr>
+              <a:t>',</a:t>
+            </a:r>
+          </a:p>
+          <a:p>
+            <a:pPr marL="400050" lvl="1" indent="0">
+              <a:spcBef>
+                <a:spcPts val="0"/>
+              </a:spcBef>
+              <a:buNone/>
+            </a:pPr>
+            <a:r>
+              <a:rPr lang="en-US" sz="1200" dirty="0">
+                <a:latin typeface="Courier New" panose="02070309020205020404" pitchFamily="49" charset="0"/>
+                <a:cs typeface="Courier New" panose="02070309020205020404" pitchFamily="49" charset="0"/>
+              </a:rPr>
+              <a:t>   output: {</a:t>
+            </a:r>
+          </a:p>
+          <a:p>
+            <a:pPr marL="400050" lvl="1" indent="0">
+              <a:spcBef>
+                <a:spcPts val="0"/>
+              </a:spcBef>
+              <a:buNone/>
+            </a:pPr>
+            <a:r>
+              <a:rPr lang="en-US" sz="1200" dirty="0">
+                <a:latin typeface="Courier New" panose="02070309020205020404" pitchFamily="49" charset="0"/>
+                <a:cs typeface="Courier New" panose="02070309020205020404" pitchFamily="49" charset="0"/>
+              </a:rPr>
+              <a:t>      path:'/',</a:t>
+            </a:r>
+          </a:p>
+          <a:p>
+            <a:pPr marL="400050" lvl="1" indent="0">
+              <a:spcBef>
+                <a:spcPts val="0"/>
+              </a:spcBef>
+              <a:buNone/>
+            </a:pPr>
+            <a:r>
+              <a:rPr lang="en-US" sz="1200" dirty="0">
+                <a:latin typeface="Courier New" panose="02070309020205020404" pitchFamily="49" charset="0"/>
+                <a:cs typeface="Courier New" panose="02070309020205020404" pitchFamily="49" charset="0"/>
+              </a:rPr>
+              <a:t>      filename: '</a:t>
+            </a:r>
+            <a:r>
+              <a:rPr lang="en-US" sz="1200" dirty="0" err="1">
+                <a:latin typeface="Courier New" panose="02070309020205020404" pitchFamily="49" charset="0"/>
+                <a:cs typeface="Courier New" panose="02070309020205020404" pitchFamily="49" charset="0"/>
+              </a:rPr>
+              <a:t>bundle.js</a:t>
+            </a:r>
+            <a:r>
+              <a:rPr lang="en-US" sz="1200" dirty="0">
+                <a:latin typeface="Courier New" panose="02070309020205020404" pitchFamily="49" charset="0"/>
+                <a:cs typeface="Courier New" panose="02070309020205020404" pitchFamily="49" charset="0"/>
+              </a:rPr>
+              <a:t>',</a:t>
+            </a:r>
+          </a:p>
+          <a:p>
+            <a:pPr marL="400050" lvl="1" indent="0">
+              <a:spcBef>
+                <a:spcPts val="0"/>
+              </a:spcBef>
+              <a:buNone/>
+            </a:pPr>
+            <a:r>
+              <a:rPr lang="en-US" sz="1200" dirty="0">
+                <a:latin typeface="Courier New" panose="02070309020205020404" pitchFamily="49" charset="0"/>
+                <a:cs typeface="Courier New" panose="02070309020205020404" pitchFamily="49" charset="0"/>
+              </a:rPr>
+              <a:t>   },</a:t>
+            </a:r>
+          </a:p>
+          <a:p>
+            <a:pPr marL="400050" lvl="1" indent="0">
+              <a:spcBef>
+                <a:spcPts val="0"/>
+              </a:spcBef>
+              <a:buNone/>
+            </a:pPr>
+            <a:r>
+              <a:rPr lang="en-US" sz="1200" dirty="0">
+                <a:latin typeface="Courier New" panose="02070309020205020404" pitchFamily="49" charset="0"/>
+                <a:cs typeface="Courier New" panose="02070309020205020404" pitchFamily="49" charset="0"/>
+              </a:rPr>
+              <a:t>   </a:t>
+            </a:r>
+            <a:r>
+              <a:rPr lang="en-US" sz="1200" dirty="0" err="1">
+                <a:latin typeface="Courier New" panose="02070309020205020404" pitchFamily="49" charset="0"/>
+                <a:cs typeface="Courier New" panose="02070309020205020404" pitchFamily="49" charset="0"/>
+              </a:rPr>
+              <a:t>devServer</a:t>
+            </a:r>
+            <a:r>
+              <a:rPr lang="en-US" sz="1200" dirty="0">
+                <a:latin typeface="Courier New" panose="02070309020205020404" pitchFamily="49" charset="0"/>
+                <a:cs typeface="Courier New" panose="02070309020205020404" pitchFamily="49" charset="0"/>
+              </a:rPr>
+              <a:t>: {</a:t>
+            </a:r>
+          </a:p>
+          <a:p>
+            <a:pPr marL="400050" lvl="1" indent="0">
+              <a:spcBef>
+                <a:spcPts val="0"/>
+              </a:spcBef>
+              <a:buNone/>
+            </a:pPr>
+            <a:r>
+              <a:rPr lang="en-US" sz="1200" dirty="0">
+                <a:latin typeface="Courier New" panose="02070309020205020404" pitchFamily="49" charset="0"/>
+                <a:cs typeface="Courier New" panose="02070309020205020404" pitchFamily="49" charset="0"/>
+              </a:rPr>
+              <a:t>      inline: true,</a:t>
+            </a:r>
+          </a:p>
+          <a:p>
+            <a:pPr marL="400050" lvl="1" indent="0">
+              <a:spcBef>
+                <a:spcPts val="0"/>
+              </a:spcBef>
+              <a:buNone/>
+            </a:pPr>
+            <a:r>
+              <a:rPr lang="en-US" sz="1200" dirty="0">
+                <a:latin typeface="Courier New" panose="02070309020205020404" pitchFamily="49" charset="0"/>
+                <a:cs typeface="Courier New" panose="02070309020205020404" pitchFamily="49" charset="0"/>
+              </a:rPr>
+              <a:t>      port: 8080</a:t>
+            </a:r>
+          </a:p>
+          <a:p>
+            <a:pPr marL="400050" lvl="1" indent="0">
+              <a:spcBef>
+                <a:spcPts val="0"/>
+              </a:spcBef>
+              <a:buNone/>
+            </a:pPr>
+            <a:r>
+              <a:rPr lang="en-US" sz="1200" dirty="0">
+                <a:latin typeface="Courier New" panose="02070309020205020404" pitchFamily="49" charset="0"/>
+                <a:cs typeface="Courier New" panose="02070309020205020404" pitchFamily="49" charset="0"/>
+              </a:rPr>
+              <a:t>   },</a:t>
+            </a:r>
+          </a:p>
+          <a:p>
+            <a:pPr marL="400050" lvl="1" indent="0">
+              <a:spcBef>
+                <a:spcPts val="0"/>
+              </a:spcBef>
+              <a:buNone/>
+            </a:pPr>
+            <a:r>
+              <a:rPr lang="en-US" sz="1200" dirty="0">
+                <a:latin typeface="Courier New" panose="02070309020205020404" pitchFamily="49" charset="0"/>
+                <a:cs typeface="Courier New" panose="02070309020205020404" pitchFamily="49" charset="0"/>
+              </a:rPr>
+              <a:t>   module: {</a:t>
+            </a:r>
+          </a:p>
+          <a:p>
+            <a:pPr marL="400050" lvl="1" indent="0">
+              <a:spcBef>
+                <a:spcPts val="0"/>
+              </a:spcBef>
+              <a:buNone/>
+            </a:pPr>
+            <a:r>
+              <a:rPr lang="en-US" sz="1200" dirty="0">
+                <a:latin typeface="Courier New" panose="02070309020205020404" pitchFamily="49" charset="0"/>
+                <a:cs typeface="Courier New" panose="02070309020205020404" pitchFamily="49" charset="0"/>
+              </a:rPr>
+              <a:t>      loaders: [</a:t>
+            </a:r>
+          </a:p>
+          <a:p>
+            <a:pPr marL="400050" lvl="1" indent="0">
+              <a:spcBef>
+                <a:spcPts val="0"/>
+              </a:spcBef>
+              <a:buNone/>
+            </a:pPr>
+            <a:r>
+              <a:rPr lang="en-US" sz="1200" dirty="0">
+                <a:latin typeface="Courier New" panose="02070309020205020404" pitchFamily="49" charset="0"/>
+                <a:cs typeface="Courier New" panose="02070309020205020404" pitchFamily="49" charset="0"/>
+              </a:rPr>
+              <a:t>         {            </a:t>
+            </a:r>
+          </a:p>
+          <a:p>
+            <a:pPr marL="400050" lvl="1" indent="0">
+              <a:spcBef>
+                <a:spcPts val="0"/>
+              </a:spcBef>
+              <a:buNone/>
+            </a:pPr>
+            <a:r>
+              <a:rPr lang="en-US" sz="1200" dirty="0">
+                <a:latin typeface="Courier New" panose="02070309020205020404" pitchFamily="49" charset="0"/>
+                <a:cs typeface="Courier New" panose="02070309020205020404" pitchFamily="49" charset="0"/>
+              </a:rPr>
+              <a:t>            exclude: /</a:t>
+            </a:r>
+            <a:r>
+              <a:rPr lang="en-US" sz="1200" dirty="0" err="1">
+                <a:latin typeface="Courier New" panose="02070309020205020404" pitchFamily="49" charset="0"/>
+                <a:cs typeface="Courier New" panose="02070309020205020404" pitchFamily="49" charset="0"/>
+              </a:rPr>
+              <a:t>node_modules</a:t>
+            </a:r>
+            <a:r>
+              <a:rPr lang="en-US" sz="1200" dirty="0">
+                <a:latin typeface="Courier New" panose="02070309020205020404" pitchFamily="49" charset="0"/>
+                <a:cs typeface="Courier New" panose="02070309020205020404" pitchFamily="49" charset="0"/>
+              </a:rPr>
+              <a:t>/,</a:t>
+            </a:r>
+          </a:p>
+          <a:p>
+            <a:pPr marL="400050" lvl="1" indent="0">
+              <a:spcBef>
+                <a:spcPts val="0"/>
+              </a:spcBef>
+              <a:buNone/>
+            </a:pPr>
+            <a:r>
+              <a:rPr lang="en-US" sz="1200" dirty="0">
+                <a:latin typeface="Courier New" panose="02070309020205020404" pitchFamily="49" charset="0"/>
+                <a:cs typeface="Courier New" panose="02070309020205020404" pitchFamily="49" charset="0"/>
+              </a:rPr>
+              <a:t>            loader: 'babel-loader',</a:t>
+            </a:r>
+          </a:p>
+          <a:p>
+            <a:pPr marL="400050" lvl="1" indent="0">
+              <a:spcBef>
+                <a:spcPts val="0"/>
+              </a:spcBef>
+              <a:buNone/>
+            </a:pPr>
+            <a:r>
+              <a:rPr lang="en-US" sz="1200" dirty="0">
+                <a:latin typeface="Courier New" panose="02070309020205020404" pitchFamily="49" charset="0"/>
+                <a:cs typeface="Courier New" panose="02070309020205020404" pitchFamily="49" charset="0"/>
+              </a:rPr>
+              <a:t>            query: {</a:t>
+            </a:r>
+          </a:p>
+          <a:p>
+            <a:pPr marL="400050" lvl="1" indent="0">
+              <a:spcBef>
+                <a:spcPts val="0"/>
+              </a:spcBef>
+              <a:buNone/>
+            </a:pPr>
+            <a:r>
+              <a:rPr lang="en-US" sz="1200" dirty="0">
+                <a:latin typeface="Courier New" panose="02070309020205020404" pitchFamily="49" charset="0"/>
+                <a:cs typeface="Courier New" panose="02070309020205020404" pitchFamily="49" charset="0"/>
+              </a:rPr>
+              <a:t>               presets: ['es2015', 'react']</a:t>
+            </a:r>
+          </a:p>
+          <a:p>
+            <a:pPr marL="400050" lvl="1" indent="0">
+              <a:spcBef>
+                <a:spcPts val="0"/>
+              </a:spcBef>
+              <a:buNone/>
+            </a:pPr>
+            <a:r>
+              <a:rPr lang="en-US" sz="1200" dirty="0">
+                <a:latin typeface="Courier New" panose="02070309020205020404" pitchFamily="49" charset="0"/>
+                <a:cs typeface="Courier New" panose="02070309020205020404" pitchFamily="49" charset="0"/>
+              </a:rPr>
+              <a:t>            }</a:t>
+            </a:r>
+          </a:p>
+          <a:p>
+            <a:pPr marL="400050" lvl="1" indent="0">
+              <a:spcBef>
+                <a:spcPts val="0"/>
+              </a:spcBef>
+              <a:buNone/>
+            </a:pPr>
+            <a:r>
+              <a:rPr lang="en-US" sz="1200" dirty="0">
+                <a:latin typeface="Courier New" panose="02070309020205020404" pitchFamily="49" charset="0"/>
+                <a:cs typeface="Courier New" panose="02070309020205020404" pitchFamily="49" charset="0"/>
+              </a:rPr>
+              <a:t>         }</a:t>
+            </a:r>
+          </a:p>
+          <a:p>
+            <a:pPr marL="400050" lvl="1" indent="0">
+              <a:spcBef>
+                <a:spcPts val="0"/>
+              </a:spcBef>
+              <a:buNone/>
+            </a:pPr>
+            <a:r>
+              <a:rPr lang="en-US" sz="1200" dirty="0">
+                <a:latin typeface="Courier New" panose="02070309020205020404" pitchFamily="49" charset="0"/>
+                <a:cs typeface="Courier New" panose="02070309020205020404" pitchFamily="49" charset="0"/>
+              </a:rPr>
+              <a:t>      ]</a:t>
+            </a:r>
+          </a:p>
+          <a:p>
+            <a:pPr marL="400050" lvl="1" indent="0">
+              <a:spcBef>
+                <a:spcPts val="0"/>
+              </a:spcBef>
+              <a:buNone/>
+            </a:pPr>
+            <a:r>
+              <a:rPr lang="en-US" sz="1200" dirty="0">
+                <a:latin typeface="Courier New" panose="02070309020205020404" pitchFamily="49" charset="0"/>
+                <a:cs typeface="Courier New" panose="02070309020205020404" pitchFamily="49" charset="0"/>
+              </a:rPr>
+              <a:t>   }</a:t>
+            </a:r>
+          </a:p>
+          <a:p>
+            <a:pPr marL="400050" lvl="1" indent="0">
+              <a:spcBef>
+                <a:spcPts val="0"/>
+              </a:spcBef>
+              <a:buNone/>
+            </a:pPr>
+            <a:r>
+              <a:rPr lang="en-US" sz="1200" dirty="0">
+                <a:latin typeface="Courier New" panose="02070309020205020404" pitchFamily="49" charset="0"/>
+                <a:cs typeface="Courier New" panose="02070309020205020404" pitchFamily="49" charset="0"/>
+              </a:rPr>
+              <a:t>}</a:t>
+            </a:r>
+          </a:p>
+          <a:p>
+            <a:pPr marL="400050" lvl="1" indent="0">
+              <a:spcBef>
+                <a:spcPts val="0"/>
+              </a:spcBef>
+              <a:buNone/>
+            </a:pPr>
+            <a:r>
+              <a:rPr lang="en-US" sz="1200" dirty="0" err="1">
+                <a:latin typeface="Courier New" panose="02070309020205020404" pitchFamily="49" charset="0"/>
+                <a:cs typeface="Courier New" panose="02070309020205020404" pitchFamily="49" charset="0"/>
+              </a:rPr>
+              <a:t>module.exports</a:t>
+            </a:r>
+            <a:r>
+              <a:rPr lang="en-US" sz="1200" dirty="0">
+                <a:latin typeface="Courier New" panose="02070309020205020404" pitchFamily="49" charset="0"/>
+                <a:cs typeface="Courier New" panose="02070309020205020404" pitchFamily="49" charset="0"/>
+              </a:rPr>
+              <a:t> = config;</a:t>
+            </a:r>
+          </a:p>
+        </p:txBody>
+      </p:sp>
+    </p:spTree>
+    <p:extLst>
+      <p:ext uri="{BB962C8B-B14F-4D97-AF65-F5344CB8AC3E}">
+        <p14:creationId xmlns:p14="http://schemas.microsoft.com/office/powerpoint/2010/main" val="2637825004"/>
+      </p:ext>
+    </p:extLst>
+  </p:cSld>
+  <p:clrMapOvr>
+    <a:masterClrMapping/>
+  </p:clrMapOvr>
+</p:sld>
+</file>
+
+<file path=ppt/slides/slide11.xml><?xml version="1.0" encoding="utf-8"?>
+<p:sld xmlns:a="http://schemas.openxmlformats.org/drawingml/2006/main" xmlns:r="http://schemas.openxmlformats.org/officeDocument/2006/relationships" xmlns:p="http://schemas.openxmlformats.org/presentationml/2006/main">
+  <p:cSld>
+    <p:spTree>
+      <p:nvGrpSpPr>
+        <p:cNvPr id="1" name=""/>
+        <p:cNvGrpSpPr/>
+        <p:nvPr/>
+      </p:nvGrpSpPr>
+      <p:grpSpPr>
+        <a:xfrm>
+          <a:off x="0" y="0"/>
+          <a:ext cx="0" cy="0"/>
+          <a:chOff x="0" y="0"/>
+          <a:chExt cx="0" cy="0"/>
+        </a:xfrm>
+      </p:grpSpPr>
+      <p:sp>
+        <p:nvSpPr>
+          <p:cNvPr id="2" name="Title 1">
+            <a:extLst>
+              <a:ext uri="{FF2B5EF4-FFF2-40B4-BE49-F238E27FC236}">
                 <a16:creationId xmlns:a16="http://schemas.microsoft.com/office/drawing/2014/main" id="{FC6AF71A-362B-3346-89DD-C9003C03B7FF}"/>
               </a:ext>
             </a:extLst>
@@ -3471,7 +4037,7 @@
           <a:p>
             <a:r>
               <a:rPr lang="en-US" dirty="0"/>
-              <a:t>Compiler, Server and Loaders</a:t>
+              <a:t>Compiler, Server dan Loaders</a:t>
             </a:r>
           </a:p>
         </p:txBody>
@@ -6673,7 +7239,7 @@
 </p:sld>
 </file>
 
-<file path=ppt/slides/slide11.xml><?xml version="1.0" encoding="utf-8"?>
+<file path=ppt/slides/slide12.xml><?xml version="1.0" encoding="utf-8"?>
 <p:sld xmlns:a="http://schemas.openxmlformats.org/drawingml/2006/main" xmlns:r="http://schemas.openxmlformats.org/officeDocument/2006/relationships" xmlns:p="http://schemas.openxmlformats.org/presentationml/2006/main">
   <p:cSld>
     <p:spTree>
@@ -8982,7 +9548,7 @@
 </p:sld>
 </file>
 
-<file path=ppt/slides/slide12.xml><?xml version="1.0" encoding="utf-8"?>
+<file path=ppt/slides/slide13.xml><?xml version="1.0" encoding="utf-8"?>
 <p:sld xmlns:a="http://schemas.openxmlformats.org/drawingml/2006/main" xmlns:r="http://schemas.openxmlformats.org/officeDocument/2006/relationships" xmlns:p="http://schemas.openxmlformats.org/presentationml/2006/main">
   <p:cSld>
     <p:spTree>
@@ -9050,8 +9616,61 @@
           <a:p>
             <a:r>
               <a:rPr lang="en-US" dirty="0"/>
-              <a:t>React has 2 objects of data passing in order to control data into a component</a:t>
-            </a:r>
+              <a:t>React </a:t>
+            </a:r>
+            <a:r>
+              <a:rPr lang="en-US" dirty="0" err="1"/>
+              <a:t>memiliki</a:t>
+            </a:r>
+            <a:r>
+              <a:rPr lang="en-US" dirty="0"/>
+              <a:t> 2 </a:t>
+            </a:r>
+            <a:r>
+              <a:rPr lang="en-US" dirty="0" err="1"/>
+              <a:t>obyek</a:t>
+            </a:r>
+            <a:r>
+              <a:rPr lang="en-US" dirty="0"/>
+              <a:t> data passing </a:t>
+            </a:r>
+            <a:r>
+              <a:rPr lang="en-US" dirty="0" err="1"/>
+              <a:t>untuk</a:t>
+            </a:r>
+            <a:r>
+              <a:rPr lang="en-US" dirty="0"/>
+              <a:t> </a:t>
+            </a:r>
+            <a:r>
+              <a:rPr lang="en-US" dirty="0" err="1"/>
+              <a:t>mengontrol</a:t>
+            </a:r>
+            <a:r>
+              <a:rPr lang="en-US" dirty="0"/>
+              <a:t> data </a:t>
+            </a:r>
+            <a:r>
+              <a:rPr lang="en-US" dirty="0" err="1"/>
+              <a:t>ke</a:t>
+            </a:r>
+            <a:r>
+              <a:rPr lang="en-US" dirty="0"/>
+              <a:t> </a:t>
+            </a:r>
+            <a:r>
+              <a:rPr lang="en-US" dirty="0" err="1"/>
+              <a:t>tiap</a:t>
+            </a:r>
+            <a:r>
+              <a:rPr lang="en-US" dirty="0"/>
+              <a:t> </a:t>
+            </a:r>
+            <a:r>
+              <a:rPr lang="en-US" dirty="0" err="1"/>
+              <a:t>komponen</a:t>
+            </a:r>
+            <a:endParaRPr lang="en-US" dirty="0"/>
           </a:p>
           <a:p>
             <a:pPr lvl="1"/>
@@ -9063,9 +9682,50 @@
           <a:p>
             <a:pPr lvl="2"/>
             <a:r>
+              <a:rPr lang="en-US" dirty="0" err="1"/>
+              <a:t>Melewatkan</a:t>
+            </a:r>
+            <a:r>
               <a:rPr lang="en-US" dirty="0"/>
-              <a:t>Pass from parent to child components</a:t>
-            </a:r>
+              <a:t> </a:t>
+            </a:r>
+            <a:r>
+              <a:rPr lang="en-US" dirty="0" err="1"/>
+              <a:t>dari</a:t>
+            </a:r>
+            <a:r>
+              <a:rPr lang="en-US" dirty="0"/>
+              <a:t> </a:t>
+            </a:r>
+            <a:r>
+              <a:rPr lang="en-US" dirty="0" err="1"/>
+              <a:t>komponen</a:t>
+            </a:r>
+            <a:r>
+              <a:rPr lang="en-US" dirty="0"/>
+              <a:t> </a:t>
+            </a:r>
+            <a:r>
+              <a:rPr lang="en-US" dirty="0" err="1"/>
+              <a:t>induk</a:t>
+            </a:r>
+            <a:r>
+              <a:rPr lang="en-US" dirty="0"/>
+              <a:t> </a:t>
+            </a:r>
+            <a:r>
+              <a:rPr lang="en-US" dirty="0" err="1"/>
+              <a:t>ke</a:t>
+            </a:r>
+            <a:r>
+              <a:rPr lang="en-US" dirty="0"/>
+              <a:t> </a:t>
+            </a:r>
+            <a:r>
+              <a:rPr lang="en-US" dirty="0" err="1"/>
+              <a:t>anak</a:t>
+            </a:r>
+            <a:endParaRPr lang="en-US" dirty="0"/>
           </a:p>
           <a:p>
             <a:pPr lvl="2"/>
@@ -9163,7 +9823,7 @@
 </p:sld>
 </file>
 
-<file path=ppt/slides/slide13.xml><?xml version="1.0" encoding="utf-8"?>
+<file path=ppt/slides/slide14.xml><?xml version="1.0" encoding="utf-8"?>
 <p:sld xmlns:a="http://schemas.openxmlformats.org/drawingml/2006/main" xmlns:r="http://schemas.openxmlformats.org/officeDocument/2006/relationships" xmlns:p="http://schemas.openxmlformats.org/presentationml/2006/main">
   <p:cSld>
     <p:spTree>
@@ -10497,7 +11157,7 @@
 </p:sld>
 </file>
 
-<file path=ppt/slides/slide14.xml><?xml version="1.0" encoding="utf-8"?>
+<file path=ppt/slides/slide15.xml><?xml version="1.0" encoding="utf-8"?>
 <p:sld xmlns:a="http://schemas.openxmlformats.org/drawingml/2006/main" xmlns:r="http://schemas.openxmlformats.org/officeDocument/2006/relationships" xmlns:p="http://schemas.openxmlformats.org/presentationml/2006/main">
   <p:cSld>
     <p:spTree>
@@ -11548,7 +12208,7 @@
 </p:sld>
 </file>
 
-<file path=ppt/slides/slide15.xml><?xml version="1.0" encoding="utf-8"?>
+<file path=ppt/slides/slide16.xml><?xml version="1.0" encoding="utf-8"?>
 <p:sld xmlns:a="http://schemas.openxmlformats.org/drawingml/2006/main" xmlns:r="http://schemas.openxmlformats.org/officeDocument/2006/relationships" xmlns:p="http://schemas.openxmlformats.org/presentationml/2006/main">
   <p:cSld>
     <p:spTree>
@@ -13535,7 +14195,7 @@
 </p:sld>
 </file>
 
-<file path=ppt/slides/slide16.xml><?xml version="1.0" encoding="utf-8"?>
+<file path=ppt/slides/slide17.xml><?xml version="1.0" encoding="utf-8"?>
 <p:sld xmlns:a="http://schemas.openxmlformats.org/drawingml/2006/main" xmlns:r="http://schemas.openxmlformats.org/officeDocument/2006/relationships" xmlns:p="http://schemas.openxmlformats.org/presentationml/2006/main">
   <p:cSld>
     <p:spTree>
@@ -15140,7 +15800,7 @@
 </p:sld>
 </file>
 
-<file path=ppt/slides/slide17.xml><?xml version="1.0" encoding="utf-8"?>
+<file path=ppt/slides/slide18.xml><?xml version="1.0" encoding="utf-8"?>
 <p:sld xmlns:a="http://schemas.openxmlformats.org/drawingml/2006/main" xmlns:r="http://schemas.openxmlformats.org/officeDocument/2006/relationships" xmlns:p="http://schemas.openxmlformats.org/presentationml/2006/main">
   <p:cSld>
     <p:spTree>
@@ -17558,7 +18218,7 @@
 </p:sld>
 </file>
 
-<file path=ppt/slides/slide18.xml><?xml version="1.0" encoding="utf-8"?>
+<file path=ppt/slides/slide19.xml><?xml version="1.0" encoding="utf-8"?>
 <p:sld xmlns:a="http://schemas.openxmlformats.org/drawingml/2006/main" xmlns:r="http://schemas.openxmlformats.org/officeDocument/2006/relationships" xmlns:p="http://schemas.openxmlformats.org/presentationml/2006/main">
   <p:cSld>
     <p:spTree>
@@ -19134,7 +19794,538 @@
 </p:sld>
 </file>
 
-<file path=ppt/slides/slide19.xml><?xml version="1.0" encoding="utf-8"?>
+<file path=ppt/slides/slide2.xml><?xml version="1.0" encoding="utf-8"?>
+<p:sld xmlns:a="http://schemas.openxmlformats.org/drawingml/2006/main" xmlns:r="http://schemas.openxmlformats.org/officeDocument/2006/relationships" xmlns:p="http://schemas.openxmlformats.org/presentationml/2006/main">
+  <p:cSld>
+    <p:spTree>
+      <p:nvGrpSpPr>
+        <p:cNvPr id="1" name=""/>
+        <p:cNvGrpSpPr/>
+        <p:nvPr/>
+      </p:nvGrpSpPr>
+      <p:grpSpPr>
+        <a:xfrm>
+          <a:off x="0" y="0"/>
+          <a:ext cx="0" cy="0"/>
+          <a:chOff x="0" y="0"/>
+          <a:chExt cx="0" cy="0"/>
+        </a:xfrm>
+      </p:grpSpPr>
+      <p:sp>
+        <p:nvSpPr>
+          <p:cNvPr id="2" name="Title 1">
+            <a:extLst>
+              <a:ext uri="{FF2B5EF4-FFF2-40B4-BE49-F238E27FC236}">
+                <a16:creationId xmlns:a16="http://schemas.microsoft.com/office/drawing/2014/main" id="{A9A59366-B1EC-204D-9BA7-DAC19FC3011D}"/>
+              </a:ext>
+            </a:extLst>
+          </p:cNvPr>
+          <p:cNvSpPr>
+            <a:spLocks noGrp="1"/>
+          </p:cNvSpPr>
+          <p:nvPr>
+            <p:ph type="title"/>
+          </p:nvPr>
+        </p:nvSpPr>
+        <p:spPr/>
+        <p:txBody>
+          <a:bodyPr/>
+          <a:lstStyle/>
+          <a:p>
+            <a:r>
+              <a:rPr lang="en-US" dirty="0"/>
+              <a:t>Layer-layer </a:t>
+            </a:r>
+            <a:r>
+              <a:rPr lang="en-US" dirty="0" err="1"/>
+              <a:t>Halaman</a:t>
+            </a:r>
+            <a:r>
+              <a:rPr lang="en-US" dirty="0"/>
+              <a:t> Web</a:t>
+            </a:r>
+          </a:p>
+        </p:txBody>
+      </p:sp>
+      <p:sp>
+        <p:nvSpPr>
+          <p:cNvPr id="3" name="Content Placeholder 2">
+            <a:extLst>
+              <a:ext uri="{FF2B5EF4-FFF2-40B4-BE49-F238E27FC236}">
+                <a16:creationId xmlns:a16="http://schemas.microsoft.com/office/drawing/2014/main" id="{703D0340-1963-3E4A-8F6A-6EBEC7ED844F}"/>
+              </a:ext>
+            </a:extLst>
+          </p:cNvPr>
+          <p:cNvSpPr>
+            <a:spLocks noGrp="1"/>
+          </p:cNvSpPr>
+          <p:nvPr>
+            <p:ph idx="1"/>
+          </p:nvPr>
+        </p:nvSpPr>
+        <p:spPr/>
+        <p:txBody>
+          <a:bodyPr/>
+          <a:lstStyle/>
+          <a:p>
+            <a:endParaRPr lang="en-US" dirty="0"/>
+          </a:p>
+        </p:txBody>
+      </p:sp>
+      <p:sp>
+        <p:nvSpPr>
+          <p:cNvPr id="4" name="Rectangle 3">
+            <a:extLst>
+              <a:ext uri="{FF2B5EF4-FFF2-40B4-BE49-F238E27FC236}">
+                <a16:creationId xmlns:a16="http://schemas.microsoft.com/office/drawing/2014/main" id="{F85D8D30-04C6-054F-B806-83E35C59DA3F}"/>
+              </a:ext>
+            </a:extLst>
+          </p:cNvPr>
+          <p:cNvSpPr/>
+          <p:nvPr/>
+        </p:nvSpPr>
+        <p:spPr>
+          <a:xfrm>
+            <a:off x="2421011" y="2285958"/>
+            <a:ext cx="2486211" cy="962212"/>
+          </a:xfrm>
+          <a:prstGeom prst="rect">
+            <a:avLst/>
+          </a:prstGeom>
+        </p:spPr>
+        <p:style>
+          <a:lnRef idx="2">
+            <a:schemeClr val="accent1">
+              <a:shade val="50000"/>
+            </a:schemeClr>
+          </a:lnRef>
+          <a:fillRef idx="1">
+            <a:schemeClr val="accent1"/>
+          </a:fillRef>
+          <a:effectRef idx="0">
+            <a:schemeClr val="accent1"/>
+          </a:effectRef>
+          <a:fontRef idx="minor">
+            <a:schemeClr val="lt1"/>
+          </a:fontRef>
+        </p:style>
+        <p:txBody>
+          <a:bodyPr rtlCol="0" anchor="ctr"/>
+          <a:lstStyle/>
+          <a:p>
+            <a:pPr algn="ctr"/>
+            <a:r>
+              <a:rPr lang="en-US" dirty="0"/>
+              <a:t>Behavior</a:t>
+            </a:r>
+          </a:p>
+        </p:txBody>
+      </p:sp>
+      <p:sp>
+        <p:nvSpPr>
+          <p:cNvPr id="5" name="Rectangle 4">
+            <a:extLst>
+              <a:ext uri="{FF2B5EF4-FFF2-40B4-BE49-F238E27FC236}">
+                <a16:creationId xmlns:a16="http://schemas.microsoft.com/office/drawing/2014/main" id="{86ACD8C9-02E3-9348-9F13-D7C76EAEFA71}"/>
+              </a:ext>
+            </a:extLst>
+          </p:cNvPr>
+          <p:cNvSpPr/>
+          <p:nvPr/>
+        </p:nvSpPr>
+        <p:spPr>
+          <a:xfrm>
+            <a:off x="2421010" y="3412522"/>
+            <a:ext cx="2486211" cy="962212"/>
+          </a:xfrm>
+          <a:prstGeom prst="rect">
+            <a:avLst/>
+          </a:prstGeom>
+        </p:spPr>
+        <p:style>
+          <a:lnRef idx="2">
+            <a:schemeClr val="accent1">
+              <a:shade val="50000"/>
+            </a:schemeClr>
+          </a:lnRef>
+          <a:fillRef idx="1">
+            <a:schemeClr val="accent1"/>
+          </a:fillRef>
+          <a:effectRef idx="0">
+            <a:schemeClr val="accent1"/>
+          </a:effectRef>
+          <a:fontRef idx="minor">
+            <a:schemeClr val="lt1"/>
+          </a:fontRef>
+        </p:style>
+        <p:txBody>
+          <a:bodyPr rtlCol="0" anchor="ctr"/>
+          <a:lstStyle/>
+          <a:p>
+            <a:pPr algn="ctr"/>
+            <a:r>
+              <a:rPr lang="en-US" dirty="0"/>
+              <a:t>Presentation</a:t>
+            </a:r>
+          </a:p>
+        </p:txBody>
+      </p:sp>
+      <p:sp>
+        <p:nvSpPr>
+          <p:cNvPr id="6" name="Rectangle 5">
+            <a:extLst>
+              <a:ext uri="{FF2B5EF4-FFF2-40B4-BE49-F238E27FC236}">
+                <a16:creationId xmlns:a16="http://schemas.microsoft.com/office/drawing/2014/main" id="{0EF1D4AC-7736-8B42-8258-A23A06B82030}"/>
+              </a:ext>
+            </a:extLst>
+          </p:cNvPr>
+          <p:cNvSpPr/>
+          <p:nvPr/>
+        </p:nvSpPr>
+        <p:spPr>
+          <a:xfrm>
+            <a:off x="2421010" y="4539086"/>
+            <a:ext cx="2486211" cy="962212"/>
+          </a:xfrm>
+          <a:prstGeom prst="rect">
+            <a:avLst/>
+          </a:prstGeom>
+        </p:spPr>
+        <p:style>
+          <a:lnRef idx="2">
+            <a:schemeClr val="accent1">
+              <a:shade val="50000"/>
+            </a:schemeClr>
+          </a:lnRef>
+          <a:fillRef idx="1">
+            <a:schemeClr val="accent1"/>
+          </a:fillRef>
+          <a:effectRef idx="0">
+            <a:schemeClr val="accent1"/>
+          </a:effectRef>
+          <a:fontRef idx="minor">
+            <a:schemeClr val="lt1"/>
+          </a:fontRef>
+        </p:style>
+        <p:txBody>
+          <a:bodyPr rtlCol="0" anchor="ctr"/>
+          <a:lstStyle/>
+          <a:p>
+            <a:pPr algn="ctr"/>
+            <a:r>
+              <a:rPr lang="en-US" dirty="0"/>
+              <a:t>Content</a:t>
+            </a:r>
+          </a:p>
+        </p:txBody>
+      </p:sp>
+      <p:sp>
+        <p:nvSpPr>
+          <p:cNvPr id="7" name="Right Arrow 6">
+            <a:extLst>
+              <a:ext uri="{FF2B5EF4-FFF2-40B4-BE49-F238E27FC236}">
+                <a16:creationId xmlns:a16="http://schemas.microsoft.com/office/drawing/2014/main" id="{3F7793FC-EB13-A943-AFCB-AD8F56861F87}"/>
+              </a:ext>
+            </a:extLst>
+          </p:cNvPr>
+          <p:cNvSpPr/>
+          <p:nvPr/>
+        </p:nvSpPr>
+        <p:spPr>
+          <a:xfrm>
+            <a:off x="5278857" y="2602711"/>
+            <a:ext cx="750847" cy="406400"/>
+          </a:xfrm>
+          <a:prstGeom prst="rightArrow">
+            <a:avLst/>
+          </a:prstGeom>
+        </p:spPr>
+        <p:style>
+          <a:lnRef idx="2">
+            <a:schemeClr val="accent4"/>
+          </a:lnRef>
+          <a:fillRef idx="1">
+            <a:schemeClr val="lt1"/>
+          </a:fillRef>
+          <a:effectRef idx="0">
+            <a:schemeClr val="accent4"/>
+          </a:effectRef>
+          <a:fontRef idx="minor">
+            <a:schemeClr val="dk1"/>
+          </a:fontRef>
+        </p:style>
+        <p:txBody>
+          <a:bodyPr rtlCol="0" anchor="ctr"/>
+          <a:lstStyle/>
+          <a:p>
+            <a:pPr algn="ctr"/>
+            <a:endParaRPr lang="en-US"/>
+          </a:p>
+        </p:txBody>
+      </p:sp>
+      <p:sp>
+        <p:nvSpPr>
+          <p:cNvPr id="8" name="Right Arrow 7">
+            <a:extLst>
+              <a:ext uri="{FF2B5EF4-FFF2-40B4-BE49-F238E27FC236}">
+                <a16:creationId xmlns:a16="http://schemas.microsoft.com/office/drawing/2014/main" id="{2AAB253A-6F9B-9D49-8F56-8D8479ABAF53}"/>
+              </a:ext>
+            </a:extLst>
+          </p:cNvPr>
+          <p:cNvSpPr/>
+          <p:nvPr/>
+        </p:nvSpPr>
+        <p:spPr>
+          <a:xfrm>
+            <a:off x="5278857" y="3690428"/>
+            <a:ext cx="750847" cy="406400"/>
+          </a:xfrm>
+          <a:prstGeom prst="rightArrow">
+            <a:avLst/>
+          </a:prstGeom>
+        </p:spPr>
+        <p:style>
+          <a:lnRef idx="2">
+            <a:schemeClr val="accent4"/>
+          </a:lnRef>
+          <a:fillRef idx="1">
+            <a:schemeClr val="lt1"/>
+          </a:fillRef>
+          <a:effectRef idx="0">
+            <a:schemeClr val="accent4"/>
+          </a:effectRef>
+          <a:fontRef idx="minor">
+            <a:schemeClr val="dk1"/>
+          </a:fontRef>
+        </p:style>
+        <p:txBody>
+          <a:bodyPr rtlCol="0" anchor="ctr"/>
+          <a:lstStyle/>
+          <a:p>
+            <a:pPr algn="ctr"/>
+            <a:endParaRPr lang="en-US"/>
+          </a:p>
+        </p:txBody>
+      </p:sp>
+      <p:sp>
+        <p:nvSpPr>
+          <p:cNvPr id="9" name="Right Arrow 8">
+            <a:extLst>
+              <a:ext uri="{FF2B5EF4-FFF2-40B4-BE49-F238E27FC236}">
+                <a16:creationId xmlns:a16="http://schemas.microsoft.com/office/drawing/2014/main" id="{4456945E-E857-5547-8912-1A050EED0C1F}"/>
+              </a:ext>
+            </a:extLst>
+          </p:cNvPr>
+          <p:cNvSpPr/>
+          <p:nvPr/>
+        </p:nvSpPr>
+        <p:spPr>
+          <a:xfrm>
+            <a:off x="5278857" y="4778145"/>
+            <a:ext cx="750847" cy="406400"/>
+          </a:xfrm>
+          <a:prstGeom prst="rightArrow">
+            <a:avLst/>
+          </a:prstGeom>
+        </p:spPr>
+        <p:style>
+          <a:lnRef idx="2">
+            <a:schemeClr val="accent4"/>
+          </a:lnRef>
+          <a:fillRef idx="1">
+            <a:schemeClr val="lt1"/>
+          </a:fillRef>
+          <a:effectRef idx="0">
+            <a:schemeClr val="accent4"/>
+          </a:effectRef>
+          <a:fontRef idx="minor">
+            <a:schemeClr val="dk1"/>
+          </a:fontRef>
+        </p:style>
+        <p:txBody>
+          <a:bodyPr rtlCol="0" anchor="ctr"/>
+          <a:lstStyle/>
+          <a:p>
+            <a:pPr algn="ctr"/>
+            <a:endParaRPr lang="en-US"/>
+          </a:p>
+        </p:txBody>
+      </p:sp>
+      <p:sp>
+        <p:nvSpPr>
+          <p:cNvPr id="10" name="Rounded Rectangle 9">
+            <a:extLst>
+              <a:ext uri="{FF2B5EF4-FFF2-40B4-BE49-F238E27FC236}">
+                <a16:creationId xmlns:a16="http://schemas.microsoft.com/office/drawing/2014/main" id="{5094A722-7451-334E-81EC-3B48D4B570BD}"/>
+              </a:ext>
+            </a:extLst>
+          </p:cNvPr>
+          <p:cNvSpPr/>
+          <p:nvPr/>
+        </p:nvSpPr>
+        <p:spPr>
+          <a:xfrm>
+            <a:off x="6401341" y="2285958"/>
+            <a:ext cx="2617693" cy="962212"/>
+          </a:xfrm>
+          <a:prstGeom prst="roundRect">
+            <a:avLst/>
+          </a:prstGeom>
+        </p:spPr>
+        <p:style>
+          <a:lnRef idx="2">
+            <a:schemeClr val="accent5">
+              <a:shade val="50000"/>
+            </a:schemeClr>
+          </a:lnRef>
+          <a:fillRef idx="1">
+            <a:schemeClr val="accent5"/>
+          </a:fillRef>
+          <a:effectRef idx="0">
+            <a:schemeClr val="accent5"/>
+          </a:effectRef>
+          <a:fontRef idx="minor">
+            <a:schemeClr val="lt1"/>
+          </a:fontRef>
+        </p:style>
+        <p:txBody>
+          <a:bodyPr rtlCol="0" anchor="ctr"/>
+          <a:lstStyle/>
+          <a:p>
+            <a:pPr algn="ctr"/>
+            <a:r>
+              <a:rPr lang="en-US" dirty="0"/>
+              <a:t>JavaScript</a:t>
+            </a:r>
+          </a:p>
+        </p:txBody>
+      </p:sp>
+      <p:sp>
+        <p:nvSpPr>
+          <p:cNvPr id="11" name="Rounded Rectangle 10">
+            <a:extLst>
+              <a:ext uri="{FF2B5EF4-FFF2-40B4-BE49-F238E27FC236}">
+                <a16:creationId xmlns:a16="http://schemas.microsoft.com/office/drawing/2014/main" id="{08AB7257-2196-CB43-B57C-E19D0461E55D}"/>
+              </a:ext>
+            </a:extLst>
+          </p:cNvPr>
+          <p:cNvSpPr/>
+          <p:nvPr/>
+        </p:nvSpPr>
+        <p:spPr>
+          <a:xfrm>
+            <a:off x="6401340" y="3412521"/>
+            <a:ext cx="2617694" cy="962212"/>
+          </a:xfrm>
+          <a:prstGeom prst="roundRect">
+            <a:avLst/>
+          </a:prstGeom>
+        </p:spPr>
+        <p:style>
+          <a:lnRef idx="2">
+            <a:schemeClr val="accent5">
+              <a:shade val="50000"/>
+            </a:schemeClr>
+          </a:lnRef>
+          <a:fillRef idx="1">
+            <a:schemeClr val="accent5"/>
+          </a:fillRef>
+          <a:effectRef idx="0">
+            <a:schemeClr val="accent5"/>
+          </a:effectRef>
+          <a:fontRef idx="minor">
+            <a:schemeClr val="lt1"/>
+          </a:fontRef>
+        </p:style>
+        <p:txBody>
+          <a:bodyPr rtlCol="0" anchor="ctr"/>
+          <a:lstStyle/>
+          <a:p>
+            <a:pPr algn="ctr"/>
+            <a:r>
+              <a:rPr lang="en-US" dirty="0"/>
+              <a:t>Cascading</a:t>
+            </a:r>
+          </a:p>
+          <a:p>
+            <a:pPr algn="ctr"/>
+            <a:r>
+              <a:rPr lang="en-US" dirty="0"/>
+              <a:t>Style Sheet</a:t>
+            </a:r>
+          </a:p>
+        </p:txBody>
+      </p:sp>
+      <p:sp>
+        <p:nvSpPr>
+          <p:cNvPr id="12" name="Rounded Rectangle 11">
+            <a:extLst>
+              <a:ext uri="{FF2B5EF4-FFF2-40B4-BE49-F238E27FC236}">
+                <a16:creationId xmlns:a16="http://schemas.microsoft.com/office/drawing/2014/main" id="{DF8D5D24-7FF7-1144-AA0A-C7A23DB53469}"/>
+              </a:ext>
+            </a:extLst>
+          </p:cNvPr>
+          <p:cNvSpPr/>
+          <p:nvPr/>
+        </p:nvSpPr>
+        <p:spPr>
+          <a:xfrm>
+            <a:off x="6401340" y="4500239"/>
+            <a:ext cx="2617694" cy="962212"/>
+          </a:xfrm>
+          <a:prstGeom prst="roundRect">
+            <a:avLst/>
+          </a:prstGeom>
+        </p:spPr>
+        <p:style>
+          <a:lnRef idx="2">
+            <a:schemeClr val="accent5">
+              <a:shade val="50000"/>
+            </a:schemeClr>
+          </a:lnRef>
+          <a:fillRef idx="1">
+            <a:schemeClr val="accent5"/>
+          </a:fillRef>
+          <a:effectRef idx="0">
+            <a:schemeClr val="accent5"/>
+          </a:effectRef>
+          <a:fontRef idx="minor">
+            <a:schemeClr val="lt1"/>
+          </a:fontRef>
+        </p:style>
+        <p:txBody>
+          <a:bodyPr rtlCol="0" anchor="ctr"/>
+          <a:lstStyle/>
+          <a:p>
+            <a:pPr algn="ctr"/>
+            <a:r>
+              <a:rPr lang="en-US" dirty="0"/>
+              <a:t>Hypertext</a:t>
+            </a:r>
+          </a:p>
+          <a:p>
+            <a:pPr algn="ctr"/>
+            <a:r>
+              <a:rPr lang="en-US" dirty="0"/>
+              <a:t>Markup Language</a:t>
+            </a:r>
+          </a:p>
+        </p:txBody>
+      </p:sp>
+    </p:spTree>
+    <p:extLst>
+      <p:ext uri="{BB962C8B-B14F-4D97-AF65-F5344CB8AC3E}">
+        <p14:creationId xmlns:p14="http://schemas.microsoft.com/office/powerpoint/2010/main" val="3186449003"/>
+      </p:ext>
+    </p:extLst>
+  </p:cSld>
+  <p:clrMapOvr>
+    <a:masterClrMapping/>
+  </p:clrMapOvr>
+</p:sld>
+</file>
+
+<file path=ppt/slides/slide20.xml><?xml version="1.0" encoding="utf-8"?>
 <p:sld xmlns:a="http://schemas.openxmlformats.org/drawingml/2006/main" xmlns:r="http://schemas.openxmlformats.org/officeDocument/2006/relationships" xmlns:p="http://schemas.openxmlformats.org/presentationml/2006/main">
   <p:cSld>
     <p:spTree>
@@ -21181,538 +22372,7 @@
 </p:sld>
 </file>
 
-<file path=ppt/slides/slide2.xml><?xml version="1.0" encoding="utf-8"?>
-<p:sld xmlns:a="http://schemas.openxmlformats.org/drawingml/2006/main" xmlns:r="http://schemas.openxmlformats.org/officeDocument/2006/relationships" xmlns:p="http://schemas.openxmlformats.org/presentationml/2006/main">
-  <p:cSld>
-    <p:spTree>
-      <p:nvGrpSpPr>
-        <p:cNvPr id="1" name=""/>
-        <p:cNvGrpSpPr/>
-        <p:nvPr/>
-      </p:nvGrpSpPr>
-      <p:grpSpPr>
-        <a:xfrm>
-          <a:off x="0" y="0"/>
-          <a:ext cx="0" cy="0"/>
-          <a:chOff x="0" y="0"/>
-          <a:chExt cx="0" cy="0"/>
-        </a:xfrm>
-      </p:grpSpPr>
-      <p:sp>
-        <p:nvSpPr>
-          <p:cNvPr id="2" name="Title 1">
-            <a:extLst>
-              <a:ext uri="{FF2B5EF4-FFF2-40B4-BE49-F238E27FC236}">
-                <a16:creationId xmlns:a16="http://schemas.microsoft.com/office/drawing/2014/main" id="{A9A59366-B1EC-204D-9BA7-DAC19FC3011D}"/>
-              </a:ext>
-            </a:extLst>
-          </p:cNvPr>
-          <p:cNvSpPr>
-            <a:spLocks noGrp="1"/>
-          </p:cNvSpPr>
-          <p:nvPr>
-            <p:ph type="title"/>
-          </p:nvPr>
-        </p:nvSpPr>
-        <p:spPr/>
-        <p:txBody>
-          <a:bodyPr/>
-          <a:lstStyle/>
-          <a:p>
-            <a:r>
-              <a:rPr lang="en-US" dirty="0"/>
-              <a:t>Layer-layer </a:t>
-            </a:r>
-            <a:r>
-              <a:rPr lang="en-US" dirty="0" err="1"/>
-              <a:t>Halaman</a:t>
-            </a:r>
-            <a:r>
-              <a:rPr lang="en-US" dirty="0"/>
-              <a:t> Web</a:t>
-            </a:r>
-          </a:p>
-        </p:txBody>
-      </p:sp>
-      <p:sp>
-        <p:nvSpPr>
-          <p:cNvPr id="3" name="Content Placeholder 2">
-            <a:extLst>
-              <a:ext uri="{FF2B5EF4-FFF2-40B4-BE49-F238E27FC236}">
-                <a16:creationId xmlns:a16="http://schemas.microsoft.com/office/drawing/2014/main" id="{703D0340-1963-3E4A-8F6A-6EBEC7ED844F}"/>
-              </a:ext>
-            </a:extLst>
-          </p:cNvPr>
-          <p:cNvSpPr>
-            <a:spLocks noGrp="1"/>
-          </p:cNvSpPr>
-          <p:nvPr>
-            <p:ph idx="1"/>
-          </p:nvPr>
-        </p:nvSpPr>
-        <p:spPr/>
-        <p:txBody>
-          <a:bodyPr/>
-          <a:lstStyle/>
-          <a:p>
-            <a:endParaRPr lang="en-US" dirty="0"/>
-          </a:p>
-        </p:txBody>
-      </p:sp>
-      <p:sp>
-        <p:nvSpPr>
-          <p:cNvPr id="4" name="Rectangle 3">
-            <a:extLst>
-              <a:ext uri="{FF2B5EF4-FFF2-40B4-BE49-F238E27FC236}">
-                <a16:creationId xmlns:a16="http://schemas.microsoft.com/office/drawing/2014/main" id="{F85D8D30-04C6-054F-B806-83E35C59DA3F}"/>
-              </a:ext>
-            </a:extLst>
-          </p:cNvPr>
-          <p:cNvSpPr/>
-          <p:nvPr/>
-        </p:nvSpPr>
-        <p:spPr>
-          <a:xfrm>
-            <a:off x="2421011" y="2285958"/>
-            <a:ext cx="2486211" cy="962212"/>
-          </a:xfrm>
-          <a:prstGeom prst="rect">
-            <a:avLst/>
-          </a:prstGeom>
-        </p:spPr>
-        <p:style>
-          <a:lnRef idx="2">
-            <a:schemeClr val="accent1">
-              <a:shade val="50000"/>
-            </a:schemeClr>
-          </a:lnRef>
-          <a:fillRef idx="1">
-            <a:schemeClr val="accent1"/>
-          </a:fillRef>
-          <a:effectRef idx="0">
-            <a:schemeClr val="accent1"/>
-          </a:effectRef>
-          <a:fontRef idx="minor">
-            <a:schemeClr val="lt1"/>
-          </a:fontRef>
-        </p:style>
-        <p:txBody>
-          <a:bodyPr rtlCol="0" anchor="ctr"/>
-          <a:lstStyle/>
-          <a:p>
-            <a:pPr algn="ctr"/>
-            <a:r>
-              <a:rPr lang="en-US" dirty="0"/>
-              <a:t>Behavior</a:t>
-            </a:r>
-          </a:p>
-        </p:txBody>
-      </p:sp>
-      <p:sp>
-        <p:nvSpPr>
-          <p:cNvPr id="5" name="Rectangle 4">
-            <a:extLst>
-              <a:ext uri="{FF2B5EF4-FFF2-40B4-BE49-F238E27FC236}">
-                <a16:creationId xmlns:a16="http://schemas.microsoft.com/office/drawing/2014/main" id="{86ACD8C9-02E3-9348-9F13-D7C76EAEFA71}"/>
-              </a:ext>
-            </a:extLst>
-          </p:cNvPr>
-          <p:cNvSpPr/>
-          <p:nvPr/>
-        </p:nvSpPr>
-        <p:spPr>
-          <a:xfrm>
-            <a:off x="2421010" y="3412522"/>
-            <a:ext cx="2486211" cy="962212"/>
-          </a:xfrm>
-          <a:prstGeom prst="rect">
-            <a:avLst/>
-          </a:prstGeom>
-        </p:spPr>
-        <p:style>
-          <a:lnRef idx="2">
-            <a:schemeClr val="accent1">
-              <a:shade val="50000"/>
-            </a:schemeClr>
-          </a:lnRef>
-          <a:fillRef idx="1">
-            <a:schemeClr val="accent1"/>
-          </a:fillRef>
-          <a:effectRef idx="0">
-            <a:schemeClr val="accent1"/>
-          </a:effectRef>
-          <a:fontRef idx="minor">
-            <a:schemeClr val="lt1"/>
-          </a:fontRef>
-        </p:style>
-        <p:txBody>
-          <a:bodyPr rtlCol="0" anchor="ctr"/>
-          <a:lstStyle/>
-          <a:p>
-            <a:pPr algn="ctr"/>
-            <a:r>
-              <a:rPr lang="en-US" dirty="0"/>
-              <a:t>Presentation</a:t>
-            </a:r>
-          </a:p>
-        </p:txBody>
-      </p:sp>
-      <p:sp>
-        <p:nvSpPr>
-          <p:cNvPr id="6" name="Rectangle 5">
-            <a:extLst>
-              <a:ext uri="{FF2B5EF4-FFF2-40B4-BE49-F238E27FC236}">
-                <a16:creationId xmlns:a16="http://schemas.microsoft.com/office/drawing/2014/main" id="{0EF1D4AC-7736-8B42-8258-A23A06B82030}"/>
-              </a:ext>
-            </a:extLst>
-          </p:cNvPr>
-          <p:cNvSpPr/>
-          <p:nvPr/>
-        </p:nvSpPr>
-        <p:spPr>
-          <a:xfrm>
-            <a:off x="2421010" y="4539086"/>
-            <a:ext cx="2486211" cy="962212"/>
-          </a:xfrm>
-          <a:prstGeom prst="rect">
-            <a:avLst/>
-          </a:prstGeom>
-        </p:spPr>
-        <p:style>
-          <a:lnRef idx="2">
-            <a:schemeClr val="accent1">
-              <a:shade val="50000"/>
-            </a:schemeClr>
-          </a:lnRef>
-          <a:fillRef idx="1">
-            <a:schemeClr val="accent1"/>
-          </a:fillRef>
-          <a:effectRef idx="0">
-            <a:schemeClr val="accent1"/>
-          </a:effectRef>
-          <a:fontRef idx="minor">
-            <a:schemeClr val="lt1"/>
-          </a:fontRef>
-        </p:style>
-        <p:txBody>
-          <a:bodyPr rtlCol="0" anchor="ctr"/>
-          <a:lstStyle/>
-          <a:p>
-            <a:pPr algn="ctr"/>
-            <a:r>
-              <a:rPr lang="en-US" dirty="0"/>
-              <a:t>Content</a:t>
-            </a:r>
-          </a:p>
-        </p:txBody>
-      </p:sp>
-      <p:sp>
-        <p:nvSpPr>
-          <p:cNvPr id="7" name="Right Arrow 6">
-            <a:extLst>
-              <a:ext uri="{FF2B5EF4-FFF2-40B4-BE49-F238E27FC236}">
-                <a16:creationId xmlns:a16="http://schemas.microsoft.com/office/drawing/2014/main" id="{3F7793FC-EB13-A943-AFCB-AD8F56861F87}"/>
-              </a:ext>
-            </a:extLst>
-          </p:cNvPr>
-          <p:cNvSpPr/>
-          <p:nvPr/>
-        </p:nvSpPr>
-        <p:spPr>
-          <a:xfrm>
-            <a:off x="5278857" y="2602711"/>
-            <a:ext cx="750847" cy="406400"/>
-          </a:xfrm>
-          <a:prstGeom prst="rightArrow">
-            <a:avLst/>
-          </a:prstGeom>
-        </p:spPr>
-        <p:style>
-          <a:lnRef idx="2">
-            <a:schemeClr val="accent4"/>
-          </a:lnRef>
-          <a:fillRef idx="1">
-            <a:schemeClr val="lt1"/>
-          </a:fillRef>
-          <a:effectRef idx="0">
-            <a:schemeClr val="accent4"/>
-          </a:effectRef>
-          <a:fontRef idx="minor">
-            <a:schemeClr val="dk1"/>
-          </a:fontRef>
-        </p:style>
-        <p:txBody>
-          <a:bodyPr rtlCol="0" anchor="ctr"/>
-          <a:lstStyle/>
-          <a:p>
-            <a:pPr algn="ctr"/>
-            <a:endParaRPr lang="en-US"/>
-          </a:p>
-        </p:txBody>
-      </p:sp>
-      <p:sp>
-        <p:nvSpPr>
-          <p:cNvPr id="8" name="Right Arrow 7">
-            <a:extLst>
-              <a:ext uri="{FF2B5EF4-FFF2-40B4-BE49-F238E27FC236}">
-                <a16:creationId xmlns:a16="http://schemas.microsoft.com/office/drawing/2014/main" id="{2AAB253A-6F9B-9D49-8F56-8D8479ABAF53}"/>
-              </a:ext>
-            </a:extLst>
-          </p:cNvPr>
-          <p:cNvSpPr/>
-          <p:nvPr/>
-        </p:nvSpPr>
-        <p:spPr>
-          <a:xfrm>
-            <a:off x="5278857" y="3690428"/>
-            <a:ext cx="750847" cy="406400"/>
-          </a:xfrm>
-          <a:prstGeom prst="rightArrow">
-            <a:avLst/>
-          </a:prstGeom>
-        </p:spPr>
-        <p:style>
-          <a:lnRef idx="2">
-            <a:schemeClr val="accent4"/>
-          </a:lnRef>
-          <a:fillRef idx="1">
-            <a:schemeClr val="lt1"/>
-          </a:fillRef>
-          <a:effectRef idx="0">
-            <a:schemeClr val="accent4"/>
-          </a:effectRef>
-          <a:fontRef idx="minor">
-            <a:schemeClr val="dk1"/>
-          </a:fontRef>
-        </p:style>
-        <p:txBody>
-          <a:bodyPr rtlCol="0" anchor="ctr"/>
-          <a:lstStyle/>
-          <a:p>
-            <a:pPr algn="ctr"/>
-            <a:endParaRPr lang="en-US"/>
-          </a:p>
-        </p:txBody>
-      </p:sp>
-      <p:sp>
-        <p:nvSpPr>
-          <p:cNvPr id="9" name="Right Arrow 8">
-            <a:extLst>
-              <a:ext uri="{FF2B5EF4-FFF2-40B4-BE49-F238E27FC236}">
-                <a16:creationId xmlns:a16="http://schemas.microsoft.com/office/drawing/2014/main" id="{4456945E-E857-5547-8912-1A050EED0C1F}"/>
-              </a:ext>
-            </a:extLst>
-          </p:cNvPr>
-          <p:cNvSpPr/>
-          <p:nvPr/>
-        </p:nvSpPr>
-        <p:spPr>
-          <a:xfrm>
-            <a:off x="5278857" y="4778145"/>
-            <a:ext cx="750847" cy="406400"/>
-          </a:xfrm>
-          <a:prstGeom prst="rightArrow">
-            <a:avLst/>
-          </a:prstGeom>
-        </p:spPr>
-        <p:style>
-          <a:lnRef idx="2">
-            <a:schemeClr val="accent4"/>
-          </a:lnRef>
-          <a:fillRef idx="1">
-            <a:schemeClr val="lt1"/>
-          </a:fillRef>
-          <a:effectRef idx="0">
-            <a:schemeClr val="accent4"/>
-          </a:effectRef>
-          <a:fontRef idx="minor">
-            <a:schemeClr val="dk1"/>
-          </a:fontRef>
-        </p:style>
-        <p:txBody>
-          <a:bodyPr rtlCol="0" anchor="ctr"/>
-          <a:lstStyle/>
-          <a:p>
-            <a:pPr algn="ctr"/>
-            <a:endParaRPr lang="en-US"/>
-          </a:p>
-        </p:txBody>
-      </p:sp>
-      <p:sp>
-        <p:nvSpPr>
-          <p:cNvPr id="10" name="Rounded Rectangle 9">
-            <a:extLst>
-              <a:ext uri="{FF2B5EF4-FFF2-40B4-BE49-F238E27FC236}">
-                <a16:creationId xmlns:a16="http://schemas.microsoft.com/office/drawing/2014/main" id="{5094A722-7451-334E-81EC-3B48D4B570BD}"/>
-              </a:ext>
-            </a:extLst>
-          </p:cNvPr>
-          <p:cNvSpPr/>
-          <p:nvPr/>
-        </p:nvSpPr>
-        <p:spPr>
-          <a:xfrm>
-            <a:off x="6401341" y="2285958"/>
-            <a:ext cx="2617693" cy="962212"/>
-          </a:xfrm>
-          <a:prstGeom prst="roundRect">
-            <a:avLst/>
-          </a:prstGeom>
-        </p:spPr>
-        <p:style>
-          <a:lnRef idx="2">
-            <a:schemeClr val="accent5">
-              <a:shade val="50000"/>
-            </a:schemeClr>
-          </a:lnRef>
-          <a:fillRef idx="1">
-            <a:schemeClr val="accent5"/>
-          </a:fillRef>
-          <a:effectRef idx="0">
-            <a:schemeClr val="accent5"/>
-          </a:effectRef>
-          <a:fontRef idx="minor">
-            <a:schemeClr val="lt1"/>
-          </a:fontRef>
-        </p:style>
-        <p:txBody>
-          <a:bodyPr rtlCol="0" anchor="ctr"/>
-          <a:lstStyle/>
-          <a:p>
-            <a:pPr algn="ctr"/>
-            <a:r>
-              <a:rPr lang="en-US" dirty="0"/>
-              <a:t>JavaScript</a:t>
-            </a:r>
-          </a:p>
-        </p:txBody>
-      </p:sp>
-      <p:sp>
-        <p:nvSpPr>
-          <p:cNvPr id="11" name="Rounded Rectangle 10">
-            <a:extLst>
-              <a:ext uri="{FF2B5EF4-FFF2-40B4-BE49-F238E27FC236}">
-                <a16:creationId xmlns:a16="http://schemas.microsoft.com/office/drawing/2014/main" id="{08AB7257-2196-CB43-B57C-E19D0461E55D}"/>
-              </a:ext>
-            </a:extLst>
-          </p:cNvPr>
-          <p:cNvSpPr/>
-          <p:nvPr/>
-        </p:nvSpPr>
-        <p:spPr>
-          <a:xfrm>
-            <a:off x="6401340" y="3412521"/>
-            <a:ext cx="2617694" cy="962212"/>
-          </a:xfrm>
-          <a:prstGeom prst="roundRect">
-            <a:avLst/>
-          </a:prstGeom>
-        </p:spPr>
-        <p:style>
-          <a:lnRef idx="2">
-            <a:schemeClr val="accent5">
-              <a:shade val="50000"/>
-            </a:schemeClr>
-          </a:lnRef>
-          <a:fillRef idx="1">
-            <a:schemeClr val="accent5"/>
-          </a:fillRef>
-          <a:effectRef idx="0">
-            <a:schemeClr val="accent5"/>
-          </a:effectRef>
-          <a:fontRef idx="minor">
-            <a:schemeClr val="lt1"/>
-          </a:fontRef>
-        </p:style>
-        <p:txBody>
-          <a:bodyPr rtlCol="0" anchor="ctr"/>
-          <a:lstStyle/>
-          <a:p>
-            <a:pPr algn="ctr"/>
-            <a:r>
-              <a:rPr lang="en-US" dirty="0"/>
-              <a:t>Cascading</a:t>
-            </a:r>
-          </a:p>
-          <a:p>
-            <a:pPr algn="ctr"/>
-            <a:r>
-              <a:rPr lang="en-US" dirty="0"/>
-              <a:t>Style Sheet</a:t>
-            </a:r>
-          </a:p>
-        </p:txBody>
-      </p:sp>
-      <p:sp>
-        <p:nvSpPr>
-          <p:cNvPr id="12" name="Rounded Rectangle 11">
-            <a:extLst>
-              <a:ext uri="{FF2B5EF4-FFF2-40B4-BE49-F238E27FC236}">
-                <a16:creationId xmlns:a16="http://schemas.microsoft.com/office/drawing/2014/main" id="{DF8D5D24-7FF7-1144-AA0A-C7A23DB53469}"/>
-              </a:ext>
-            </a:extLst>
-          </p:cNvPr>
-          <p:cNvSpPr/>
-          <p:nvPr/>
-        </p:nvSpPr>
-        <p:spPr>
-          <a:xfrm>
-            <a:off x="6401340" y="4500239"/>
-            <a:ext cx="2617694" cy="962212"/>
-          </a:xfrm>
-          <a:prstGeom prst="roundRect">
-            <a:avLst/>
-          </a:prstGeom>
-        </p:spPr>
-        <p:style>
-          <a:lnRef idx="2">
-            <a:schemeClr val="accent5">
-              <a:shade val="50000"/>
-            </a:schemeClr>
-          </a:lnRef>
-          <a:fillRef idx="1">
-            <a:schemeClr val="accent5"/>
-          </a:fillRef>
-          <a:effectRef idx="0">
-            <a:schemeClr val="accent5"/>
-          </a:effectRef>
-          <a:fontRef idx="minor">
-            <a:schemeClr val="lt1"/>
-          </a:fontRef>
-        </p:style>
-        <p:txBody>
-          <a:bodyPr rtlCol="0" anchor="ctr"/>
-          <a:lstStyle/>
-          <a:p>
-            <a:pPr algn="ctr"/>
-            <a:r>
-              <a:rPr lang="en-US" dirty="0"/>
-              <a:t>Hypertext</a:t>
-            </a:r>
-          </a:p>
-          <a:p>
-            <a:pPr algn="ctr"/>
-            <a:r>
-              <a:rPr lang="en-US" dirty="0"/>
-              <a:t>Markup Language</a:t>
-            </a:r>
-          </a:p>
-        </p:txBody>
-      </p:sp>
-    </p:spTree>
-    <p:extLst>
-      <p:ext uri="{BB962C8B-B14F-4D97-AF65-F5344CB8AC3E}">
-        <p14:creationId xmlns:p14="http://schemas.microsoft.com/office/powerpoint/2010/main" val="3186449003"/>
-      </p:ext>
-    </p:extLst>
-  </p:cSld>
-  <p:clrMapOvr>
-    <a:masterClrMapping/>
-  </p:clrMapOvr>
-</p:sld>
-</file>
-
-<file path=ppt/slides/slide20.xml><?xml version="1.0" encoding="utf-8"?>
+<file path=ppt/slides/slide21.xml><?xml version="1.0" encoding="utf-8"?>
 <p:sld xmlns:a="http://schemas.openxmlformats.org/drawingml/2006/main" xmlns:r="http://schemas.openxmlformats.org/officeDocument/2006/relationships" xmlns:p="http://schemas.openxmlformats.org/presentationml/2006/main">
   <p:cSld>
     <p:spTree>
@@ -21895,7 +22555,7 @@
 </p:sld>
 </file>
 
-<file path=ppt/slides/slide21.xml><?xml version="1.0" encoding="utf-8"?>
+<file path=ppt/slides/slide22.xml><?xml version="1.0" encoding="utf-8"?>
 <p:sld xmlns:a="http://schemas.openxmlformats.org/drawingml/2006/main" xmlns:r="http://schemas.openxmlformats.org/officeDocument/2006/relationships" xmlns:p="http://schemas.openxmlformats.org/presentationml/2006/main">
   <p:cSld>
     <p:spTree>
@@ -22125,7 +22785,7 @@
 </p:sld>
 </file>
 
-<file path=ppt/slides/slide22.xml><?xml version="1.0" encoding="utf-8"?>
+<file path=ppt/slides/slide23.xml><?xml version="1.0" encoding="utf-8"?>
 <p:sld xmlns:a="http://schemas.openxmlformats.org/drawingml/2006/main" xmlns:r="http://schemas.openxmlformats.org/officeDocument/2006/relationships" xmlns:p="http://schemas.openxmlformats.org/presentationml/2006/main">
   <p:cSld>
     <p:spTree>
@@ -22452,7 +23112,7 @@
 </p:sld>
 </file>
 
-<file path=ppt/slides/slide23.xml><?xml version="1.0" encoding="utf-8"?>
+<file path=ppt/slides/slide24.xml><?xml version="1.0" encoding="utf-8"?>
 <p:sld xmlns:a="http://schemas.openxmlformats.org/drawingml/2006/main" xmlns:r="http://schemas.openxmlformats.org/officeDocument/2006/relationships" xmlns:p="http://schemas.openxmlformats.org/presentationml/2006/main">
   <p:cSld>
     <p:spTree>
@@ -22731,7 +23391,7 @@
 </p:sld>
 </file>
 
-<file path=ppt/slides/slide24.xml><?xml version="1.0" encoding="utf-8"?>
+<file path=ppt/slides/slide25.xml><?xml version="1.0" encoding="utf-8"?>
 <p:sld xmlns:a="http://schemas.openxmlformats.org/drawingml/2006/main" xmlns:r="http://schemas.openxmlformats.org/officeDocument/2006/relationships" xmlns:p="http://schemas.openxmlformats.org/presentationml/2006/main">
   <p:cSld>
     <p:spTree>
@@ -22949,7 +23609,7 @@
 </p:sld>
 </file>
 
-<file path=ppt/slides/slide25.xml><?xml version="1.0" encoding="utf-8"?>
+<file path=ppt/slides/slide26.xml><?xml version="1.0" encoding="utf-8"?>
 <p:sld xmlns:a="http://schemas.openxmlformats.org/drawingml/2006/main" xmlns:r="http://schemas.openxmlformats.org/officeDocument/2006/relationships" xmlns:p="http://schemas.openxmlformats.org/presentationml/2006/main">
   <p:cSld>
     <p:spTree>
@@ -23111,7 +23771,7 @@
 </p:sld>
 </file>
 
-<file path=ppt/slides/slide26.xml><?xml version="1.0" encoding="utf-8"?>
+<file path=ppt/slides/slide27.xml><?xml version="1.0" encoding="utf-8"?>
 <p:sld xmlns:a="http://schemas.openxmlformats.org/drawingml/2006/main" xmlns:r="http://schemas.openxmlformats.org/officeDocument/2006/relationships" xmlns:p="http://schemas.openxmlformats.org/presentationml/2006/main">
   <p:cSld>
     <p:spTree>
@@ -23352,6 +24012,36 @@
           </a:p>
         </p:txBody>
       </p:sp>
+      <p:pic>
+        <p:nvPicPr>
+          <p:cNvPr id="4" name="Picture 3">
+            <a:extLst>
+              <a:ext uri="{FF2B5EF4-FFF2-40B4-BE49-F238E27FC236}">
+                <a16:creationId xmlns:a16="http://schemas.microsoft.com/office/drawing/2014/main" id="{6792884B-11BF-2149-A7AB-98A74F366F33}"/>
+              </a:ext>
+            </a:extLst>
+          </p:cNvPr>
+          <p:cNvPicPr>
+            <a:picLocks noChangeAspect="1"/>
+          </p:cNvPicPr>
+          <p:nvPr/>
+        </p:nvPicPr>
+        <p:blipFill>
+          <a:blip r:embed="rId4"/>
+          <a:stretch>
+            <a:fillRect/>
+          </a:stretch>
+        </p:blipFill>
+        <p:spPr>
+          <a:xfrm>
+            <a:off x="9580034" y="674688"/>
+            <a:ext cx="1295400" cy="2032000"/>
+          </a:xfrm>
+          <a:prstGeom prst="rect">
+            <a:avLst/>
+          </a:prstGeom>
+        </p:spPr>
+      </p:pic>
     </p:spTree>
     <p:extLst>
       <p:ext uri="{BB962C8B-B14F-4D97-AF65-F5344CB8AC3E}">
@@ -23365,7 +24055,7 @@
 </p:sld>
 </file>
 
-<file path=ppt/slides/slide27.xml><?xml version="1.0" encoding="utf-8"?>
+<file path=ppt/slides/slide28.xml><?xml version="1.0" encoding="utf-8"?>
 <p:sld xmlns:a="http://schemas.openxmlformats.org/drawingml/2006/main" xmlns:r="http://schemas.openxmlformats.org/officeDocument/2006/relationships" xmlns:p="http://schemas.openxmlformats.org/presentationml/2006/main">
   <p:cSld>
     <p:spTree>
@@ -23637,7 +24327,7 @@
 </p:sld>
 </file>
 
-<file path=ppt/slides/slide28.xml><?xml version="1.0" encoding="utf-8"?>
+<file path=ppt/slides/slide29.xml><?xml version="1.0" encoding="utf-8"?>
 <p:sld xmlns:a="http://schemas.openxmlformats.org/drawingml/2006/main" xmlns:r="http://schemas.openxmlformats.org/officeDocument/2006/relationships" xmlns:p="http://schemas.openxmlformats.org/presentationml/2006/main">
   <p:cSld>
     <p:spTree>
@@ -24132,7 +24822,127 @@
 </p:sld>
 </file>
 
-<file path=ppt/slides/slide29.xml><?xml version="1.0" encoding="utf-8"?>
+<file path=ppt/slides/slide3.xml><?xml version="1.0" encoding="utf-8"?>
+<p:sld xmlns:a="http://schemas.openxmlformats.org/drawingml/2006/main" xmlns:r="http://schemas.openxmlformats.org/officeDocument/2006/relationships" xmlns:p="http://schemas.openxmlformats.org/presentationml/2006/main">
+  <p:cSld>
+    <p:spTree>
+      <p:nvGrpSpPr>
+        <p:cNvPr id="1" name=""/>
+        <p:cNvGrpSpPr/>
+        <p:nvPr/>
+      </p:nvGrpSpPr>
+      <p:grpSpPr>
+        <a:xfrm>
+          <a:off x="0" y="0"/>
+          <a:ext cx="0" cy="0"/>
+          <a:chOff x="0" y="0"/>
+          <a:chExt cx="0" cy="0"/>
+        </a:xfrm>
+      </p:grpSpPr>
+      <p:sp>
+        <p:nvSpPr>
+          <p:cNvPr id="2" name="Title 1">
+            <a:extLst>
+              <a:ext uri="{FF2B5EF4-FFF2-40B4-BE49-F238E27FC236}">
+                <a16:creationId xmlns:a16="http://schemas.microsoft.com/office/drawing/2014/main" id="{3E8875E6-6507-734D-A0B5-82673EB285B3}"/>
+              </a:ext>
+            </a:extLst>
+          </p:cNvPr>
+          <p:cNvSpPr>
+            <a:spLocks noGrp="1"/>
+          </p:cNvSpPr>
+          <p:nvPr>
+            <p:ph type="title"/>
+          </p:nvPr>
+        </p:nvSpPr>
+        <p:spPr/>
+        <p:txBody>
+          <a:bodyPr/>
+          <a:lstStyle/>
+          <a:p>
+            <a:r>
+              <a:rPr lang="en-US" dirty="0"/>
+              <a:t>DOM (Document Object Model)</a:t>
+            </a:r>
+          </a:p>
+        </p:txBody>
+      </p:sp>
+      <p:pic>
+        <p:nvPicPr>
+          <p:cNvPr id="4" name="Content Placeholder 3">
+            <a:extLst>
+              <a:ext uri="{FF2B5EF4-FFF2-40B4-BE49-F238E27FC236}">
+                <a16:creationId xmlns:a16="http://schemas.microsoft.com/office/drawing/2014/main" id="{71F60E2F-557A-044E-8095-35506F2CE12C}"/>
+              </a:ext>
+            </a:extLst>
+          </p:cNvPr>
+          <p:cNvPicPr>
+            <a:picLocks noGrp="1" noChangeAspect="1"/>
+          </p:cNvPicPr>
+          <p:nvPr>
+            <p:ph idx="1"/>
+          </p:nvPr>
+        </p:nvPicPr>
+        <p:blipFill>
+          <a:blip r:embed="rId2"/>
+          <a:stretch>
+            <a:fillRect/>
+          </a:stretch>
+        </p:blipFill>
+        <p:spPr>
+          <a:xfrm>
+            <a:off x="955632" y="2024096"/>
+            <a:ext cx="6172200" cy="3378200"/>
+          </a:xfrm>
+          <a:prstGeom prst="rect">
+            <a:avLst/>
+          </a:prstGeom>
+        </p:spPr>
+      </p:pic>
+      <p:pic>
+        <p:nvPicPr>
+          <p:cNvPr id="5" name="Picture 4">
+            <a:extLst>
+              <a:ext uri="{FF2B5EF4-FFF2-40B4-BE49-F238E27FC236}">
+                <a16:creationId xmlns:a16="http://schemas.microsoft.com/office/drawing/2014/main" id="{8AE10203-8259-E644-A069-2E3E62CB03B7}"/>
+              </a:ext>
+            </a:extLst>
+          </p:cNvPr>
+          <p:cNvPicPr>
+            <a:picLocks noChangeAspect="1"/>
+          </p:cNvPicPr>
+          <p:nvPr/>
+        </p:nvPicPr>
+        <p:blipFill>
+          <a:blip r:embed="rId3"/>
+          <a:stretch>
+            <a:fillRect/>
+          </a:stretch>
+        </p:blipFill>
+        <p:spPr>
+          <a:xfrm>
+            <a:off x="7127832" y="2336625"/>
+            <a:ext cx="4521200" cy="1790700"/>
+          </a:xfrm>
+          <a:prstGeom prst="rect">
+            <a:avLst/>
+          </a:prstGeom>
+        </p:spPr>
+      </p:pic>
+    </p:spTree>
+    <p:extLst>
+      <p:ext uri="{BB962C8B-B14F-4D97-AF65-F5344CB8AC3E}">
+        <p14:creationId xmlns:p14="http://schemas.microsoft.com/office/powerpoint/2010/main" val="839569320"/>
+      </p:ext>
+    </p:extLst>
+  </p:cSld>
+  <p:clrMapOvr>
+    <a:masterClrMapping/>
+  </p:clrMapOvr>
+</p:sld>
+</file>
+
+<file path=ppt/slides/slide30.xml><?xml version="1.0" encoding="utf-8"?>
 <p:sld xmlns:a="http://schemas.openxmlformats.org/drawingml/2006/main" xmlns:r="http://schemas.openxmlformats.org/officeDocument/2006/relationships" xmlns:p="http://schemas.openxmlformats.org/presentationml/2006/main">
   <p:cSld>
     <p:spTree>
@@ -24563,90 +25373,7 @@
 </p:sld>
 </file>
 
-<file path=ppt/slides/slide3.xml><?xml version="1.0" encoding="utf-8"?>
-<p:sld xmlns:a="http://schemas.openxmlformats.org/drawingml/2006/main" xmlns:r="http://schemas.openxmlformats.org/officeDocument/2006/relationships" xmlns:p="http://schemas.openxmlformats.org/presentationml/2006/main">
-  <p:cSld>
-    <p:spTree>
-      <p:nvGrpSpPr>
-        <p:cNvPr id="1" name=""/>
-        <p:cNvGrpSpPr/>
-        <p:nvPr/>
-      </p:nvGrpSpPr>
-      <p:grpSpPr>
-        <a:xfrm>
-          <a:off x="0" y="0"/>
-          <a:ext cx="0" cy="0"/>
-          <a:chOff x="0" y="0"/>
-          <a:chExt cx="0" cy="0"/>
-        </a:xfrm>
-      </p:grpSpPr>
-      <p:sp>
-        <p:nvSpPr>
-          <p:cNvPr id="2" name="Title 1">
-            <a:extLst>
-              <a:ext uri="{FF2B5EF4-FFF2-40B4-BE49-F238E27FC236}">
-                <a16:creationId xmlns:a16="http://schemas.microsoft.com/office/drawing/2014/main" id="{3E8875E6-6507-734D-A0B5-82673EB285B3}"/>
-              </a:ext>
-            </a:extLst>
-          </p:cNvPr>
-          <p:cNvSpPr>
-            <a:spLocks noGrp="1"/>
-          </p:cNvSpPr>
-          <p:nvPr>
-            <p:ph type="title"/>
-          </p:nvPr>
-        </p:nvSpPr>
-        <p:spPr/>
-        <p:txBody>
-          <a:bodyPr/>
-          <a:lstStyle/>
-          <a:p>
-            <a:r>
-              <a:rPr lang="en-US" dirty="0"/>
-              <a:t>DOM (Document Object Model)</a:t>
-            </a:r>
-          </a:p>
-        </p:txBody>
-      </p:sp>
-      <p:sp>
-        <p:nvSpPr>
-          <p:cNvPr id="3" name="Content Placeholder 2">
-            <a:extLst>
-              <a:ext uri="{FF2B5EF4-FFF2-40B4-BE49-F238E27FC236}">
-                <a16:creationId xmlns:a16="http://schemas.microsoft.com/office/drawing/2014/main" id="{98819387-90A3-924F-8306-E79E526D30E9}"/>
-              </a:ext>
-            </a:extLst>
-          </p:cNvPr>
-          <p:cNvSpPr>
-            <a:spLocks noGrp="1"/>
-          </p:cNvSpPr>
-          <p:nvPr>
-            <p:ph idx="1"/>
-          </p:nvPr>
-        </p:nvSpPr>
-        <p:spPr/>
-        <p:txBody>
-          <a:bodyPr/>
-          <a:lstStyle/>
-          <a:p>
-            <a:endParaRPr lang="en-US"/>
-          </a:p>
-        </p:txBody>
-      </p:sp>
-    </p:spTree>
-    <p:extLst>
-      <p:ext uri="{BB962C8B-B14F-4D97-AF65-F5344CB8AC3E}">
-        <p14:creationId xmlns:p14="http://schemas.microsoft.com/office/powerpoint/2010/main" val="839569320"/>
-      </p:ext>
-    </p:extLst>
-  </p:cSld>
-  <p:clrMapOvr>
-    <a:masterClrMapping/>
-  </p:clrMapOvr>
-</p:sld>
-</file>
-
-<file path=ppt/slides/slide30.xml><?xml version="1.0" encoding="utf-8"?>
+<file path=ppt/slides/slide31.xml><?xml version="1.0" encoding="utf-8"?>
 <p:sld xmlns:a="http://schemas.openxmlformats.org/drawingml/2006/main" xmlns:r="http://schemas.openxmlformats.org/officeDocument/2006/relationships" xmlns:p="http://schemas.openxmlformats.org/presentationml/2006/main">
   <p:cSld>
     <p:spTree>
@@ -25082,7 +25809,7 @@
 </p:sld>
 </file>
 
-<file path=ppt/slides/slide31.xml><?xml version="1.0" encoding="utf-8"?>
+<file path=ppt/slides/slide32.xml><?xml version="1.0" encoding="utf-8"?>
 <p:sld xmlns:a="http://schemas.openxmlformats.org/drawingml/2006/main" xmlns:r="http://schemas.openxmlformats.org/officeDocument/2006/relationships" xmlns:p="http://schemas.openxmlformats.org/presentationml/2006/main">
   <p:cSld>
     <p:spTree>
@@ -25317,7 +26044,7 @@
 </p:sld>
 </file>
 
-<file path=ppt/slides/slide32.xml><?xml version="1.0" encoding="utf-8"?>
+<file path=ppt/slides/slide33.xml><?xml version="1.0" encoding="utf-8"?>
 <p:sld xmlns:a="http://schemas.openxmlformats.org/drawingml/2006/main" xmlns:r="http://schemas.openxmlformats.org/officeDocument/2006/relationships" xmlns:p="http://schemas.openxmlformats.org/presentationml/2006/main">
   <p:cSld>
     <p:spTree>
@@ -25414,7 +26141,7 @@
 </p:sld>
 </file>
 
-<file path=ppt/slides/slide33.xml><?xml version="1.0" encoding="utf-8"?>
+<file path=ppt/slides/slide34.xml><?xml version="1.0" encoding="utf-8"?>
 <p:sld xmlns:a="http://schemas.openxmlformats.org/drawingml/2006/main" xmlns:r="http://schemas.openxmlformats.org/officeDocument/2006/relationships" xmlns:p="http://schemas.openxmlformats.org/presentationml/2006/main">
   <p:cSld>
     <p:spTree>
@@ -25670,7 +26397,7 @@
 </p:sld>
 </file>
 
-<file path=ppt/slides/slide34.xml><?xml version="1.0" encoding="utf-8"?>
+<file path=ppt/slides/slide35.xml><?xml version="1.0" encoding="utf-8"?>
 <p:sld xmlns:a="http://schemas.openxmlformats.org/drawingml/2006/main" xmlns:r="http://schemas.openxmlformats.org/officeDocument/2006/relationships" xmlns:p="http://schemas.openxmlformats.org/presentationml/2006/main">
   <p:cSld>
     <p:spTree>
@@ -25961,7 +26688,7 @@
         <p:spPr>
           <a:xfrm>
             <a:off x="1803748" y="6463430"/>
-            <a:ext cx="5794984" cy="369332"/>
+            <a:ext cx="5134867" cy="369332"/>
           </a:xfrm>
           <a:prstGeom prst="rect">
             <a:avLst/>
@@ -25984,11 +26711,11 @@
             </a:r>
             <a:r>
               <a:rPr lang="en-US" dirty="0"/>
-              <a:t>/mars/</a:t>
+              <a:t>/mars/create-react-app-</a:t>
             </a:r>
             <a:r>
               <a:rPr lang="en-US" dirty="0" err="1"/>
-              <a:t>create-react-app-buildpack#usage</a:t>
+              <a:t>buildpack</a:t>
             </a:r>
             <a:endParaRPr lang="en-US" dirty="0"/>
           </a:p>
@@ -26037,7 +26764,7 @@
 </p:sld>
 </file>
 
-<file path=ppt/slides/slide35.xml><?xml version="1.0" encoding="utf-8"?>
+<file path=ppt/slides/slide36.xml><?xml version="1.0" encoding="utf-8"?>
 <p:sld xmlns:a="http://schemas.openxmlformats.org/drawingml/2006/main" xmlns:r="http://schemas.openxmlformats.org/officeDocument/2006/relationships" xmlns:p="http://schemas.openxmlformats.org/presentationml/2006/main">
   <p:cSld>
     <p:spTree>
@@ -26202,7 +26929,208 @@
 </p:sld>
 </file>
 
-<file path=ppt/slides/slide36.xml><?xml version="1.0" encoding="utf-8"?>
+<file path=ppt/slides/slide37.xml><?xml version="1.0" encoding="utf-8"?>
+<p:sld xmlns:a="http://schemas.openxmlformats.org/drawingml/2006/main" xmlns:r="http://schemas.openxmlformats.org/officeDocument/2006/relationships" xmlns:p="http://schemas.openxmlformats.org/presentationml/2006/main">
+  <p:cSld>
+    <p:spTree>
+      <p:nvGrpSpPr>
+        <p:cNvPr id="1" name=""/>
+        <p:cNvGrpSpPr/>
+        <p:nvPr/>
+      </p:nvGrpSpPr>
+      <p:grpSpPr>
+        <a:xfrm>
+          <a:off x="0" y="0"/>
+          <a:ext cx="0" cy="0"/>
+          <a:chOff x="0" y="0"/>
+          <a:chExt cx="0" cy="0"/>
+        </a:xfrm>
+      </p:grpSpPr>
+      <p:sp>
+        <p:nvSpPr>
+          <p:cNvPr id="2" name="Title 1">
+            <a:extLst>
+              <a:ext uri="{FF2B5EF4-FFF2-40B4-BE49-F238E27FC236}">
+                <a16:creationId xmlns:a16="http://schemas.microsoft.com/office/drawing/2014/main" id="{EEC5B246-C678-D94F-98D9-A643A24DFD2A}"/>
+              </a:ext>
+            </a:extLst>
+          </p:cNvPr>
+          <p:cNvSpPr>
+            <a:spLocks noGrp="1"/>
+          </p:cNvSpPr>
+          <p:nvPr>
+            <p:ph type="title"/>
+          </p:nvPr>
+        </p:nvSpPr>
+        <p:spPr/>
+        <p:txBody>
+          <a:bodyPr/>
+          <a:lstStyle/>
+          <a:p>
+            <a:r>
+              <a:rPr lang="en-US" dirty="0"/>
+              <a:t>React + Firebase</a:t>
+            </a:r>
+          </a:p>
+        </p:txBody>
+      </p:sp>
+      <p:sp>
+        <p:nvSpPr>
+          <p:cNvPr id="3" name="Content Placeholder 2">
+            <a:extLst>
+              <a:ext uri="{FF2B5EF4-FFF2-40B4-BE49-F238E27FC236}">
+                <a16:creationId xmlns:a16="http://schemas.microsoft.com/office/drawing/2014/main" id="{8BA7795B-30FD-114D-B700-CC31999571AA}"/>
+              </a:ext>
+            </a:extLst>
+          </p:cNvPr>
+          <p:cNvSpPr>
+            <a:spLocks noGrp="1"/>
+          </p:cNvSpPr>
+          <p:nvPr>
+            <p:ph idx="1"/>
+          </p:nvPr>
+        </p:nvSpPr>
+        <p:spPr/>
+        <p:txBody>
+          <a:bodyPr>
+            <a:normAutofit lnSpcReduction="10000"/>
+          </a:bodyPr>
+          <a:lstStyle/>
+          <a:p>
+            <a:r>
+              <a:rPr lang="en-ID" dirty="0"/>
+              <a:t>&gt; </a:t>
+            </a:r>
+            <a:r>
+              <a:rPr lang="en-ID" dirty="0" err="1"/>
+              <a:t>npm</a:t>
+            </a:r>
+            <a:r>
+              <a:rPr lang="en-ID" dirty="0"/>
+              <a:t> install -g firebase-tools</a:t>
+            </a:r>
+          </a:p>
+          <a:p>
+            <a:r>
+              <a:rPr lang="en-ID" dirty="0"/>
+              <a:t>&gt; create-react-app firebase-deploy </a:t>
+            </a:r>
+          </a:p>
+          <a:p>
+            <a:r>
+              <a:rPr lang="en-ID" dirty="0"/>
+              <a:t>&gt; cd firebase-deploy/</a:t>
+            </a:r>
+          </a:p>
+          <a:p>
+            <a:r>
+              <a:rPr lang="en-ID" dirty="0"/>
+              <a:t>&gt; firebase login </a:t>
+            </a:r>
+          </a:p>
+          <a:p>
+            <a:r>
+              <a:rPr lang="en-ID" dirty="0"/>
+              <a:t>&gt; firebase </a:t>
+            </a:r>
+            <a:r>
+              <a:rPr lang="en-ID" dirty="0" err="1"/>
+              <a:t>init</a:t>
+            </a:r>
+            <a:r>
+              <a:rPr lang="en-ID" dirty="0"/>
+              <a:t> </a:t>
+            </a:r>
+          </a:p>
+          <a:p>
+            <a:r>
+              <a:rPr lang="en-ID" dirty="0"/>
+              <a:t>[</a:t>
+            </a:r>
+            <a:r>
+              <a:rPr lang="en-ID" dirty="0" err="1"/>
+              <a:t>Instalasi</a:t>
+            </a:r>
+            <a:r>
+              <a:rPr lang="en-ID" dirty="0"/>
+              <a:t> yarn] </a:t>
+            </a:r>
+            <a:r>
+              <a:rPr lang="en-ID" dirty="0">
+                <a:sym typeface="Wingdings" pitchFamily="2" charset="2"/>
+              </a:rPr>
+              <a:t> MAC: </a:t>
+            </a:r>
+            <a:r>
+              <a:rPr lang="en-ID" dirty="0"/>
+              <a:t>brew install yarn </a:t>
+            </a:r>
+          </a:p>
+          <a:p>
+            <a:r>
+              <a:rPr lang="en-ID" dirty="0"/>
+              <a:t>&gt; yarn build </a:t>
+            </a:r>
+          </a:p>
+          <a:p>
+            <a:r>
+              <a:rPr lang="en-ID" dirty="0"/>
+              <a:t>&gt; firebase use --add </a:t>
+            </a:r>
+          </a:p>
+          <a:p>
+            <a:r>
+              <a:rPr lang="en-ID" dirty="0"/>
+              <a:t>&gt; firebase deploy</a:t>
+            </a:r>
+            <a:endParaRPr lang="en-US" dirty="0"/>
+          </a:p>
+        </p:txBody>
+      </p:sp>
+      <p:pic>
+        <p:nvPicPr>
+          <p:cNvPr id="4" name="Picture 3">
+            <a:extLst>
+              <a:ext uri="{FF2B5EF4-FFF2-40B4-BE49-F238E27FC236}">
+                <a16:creationId xmlns:a16="http://schemas.microsoft.com/office/drawing/2014/main" id="{B6E83050-1C5E-A541-B269-16CFD5F48AF3}"/>
+              </a:ext>
+            </a:extLst>
+          </p:cNvPr>
+          <p:cNvPicPr>
+            <a:picLocks noChangeAspect="1"/>
+          </p:cNvPicPr>
+          <p:nvPr/>
+        </p:nvPicPr>
+        <p:blipFill>
+          <a:blip r:embed="rId2"/>
+          <a:stretch>
+            <a:fillRect/>
+          </a:stretch>
+        </p:blipFill>
+        <p:spPr>
+          <a:xfrm>
+            <a:off x="7010400" y="382025"/>
+            <a:ext cx="1052882" cy="1443600"/>
+          </a:xfrm>
+          <a:prstGeom prst="rect">
+            <a:avLst/>
+          </a:prstGeom>
+        </p:spPr>
+      </p:pic>
+    </p:spTree>
+    <p:extLst>
+      <p:ext uri="{BB962C8B-B14F-4D97-AF65-F5344CB8AC3E}">
+        <p14:creationId xmlns:p14="http://schemas.microsoft.com/office/powerpoint/2010/main" val="450771093"/>
+      </p:ext>
+    </p:extLst>
+  </p:cSld>
+  <p:clrMapOvr>
+    <a:masterClrMapping/>
+  </p:clrMapOvr>
+</p:sld>
+</file>
+
+<file path=ppt/slides/slide38.xml><?xml version="1.0" encoding="utf-8"?>
 <p:sld xmlns:a="http://schemas.openxmlformats.org/drawingml/2006/main" xmlns:r="http://schemas.openxmlformats.org/officeDocument/2006/relationships" xmlns:p="http://schemas.openxmlformats.org/presentationml/2006/main">
   <p:cSld>
     <p:spTree>
@@ -26351,7 +27279,7 @@
 </p:sld>
 </file>
 
-<file path=ppt/slides/slide37.xml><?xml version="1.0" encoding="utf-8"?>
+<file path=ppt/slides/slide39.xml><?xml version="1.0" encoding="utf-8"?>
 <p:sld xmlns:a="http://schemas.openxmlformats.org/drawingml/2006/main" xmlns:r="http://schemas.openxmlformats.org/officeDocument/2006/relationships" xmlns:p="http://schemas.openxmlformats.org/presentationml/2006/main">
   <p:cSld>
     <p:spTree>
@@ -26435,7 +27363,323 @@
 </p:sld>
 </file>
 
-<file path=ppt/slides/slide38.xml><?xml version="1.0" encoding="utf-8"?>
+<file path=ppt/slides/slide4.xml><?xml version="1.0" encoding="utf-8"?>
+<p:sld xmlns:a="http://schemas.openxmlformats.org/drawingml/2006/main" xmlns:r="http://schemas.openxmlformats.org/officeDocument/2006/relationships" xmlns:p="http://schemas.openxmlformats.org/presentationml/2006/main">
+  <p:cSld>
+    <p:spTree>
+      <p:nvGrpSpPr>
+        <p:cNvPr id="1" name=""/>
+        <p:cNvGrpSpPr/>
+        <p:nvPr/>
+      </p:nvGrpSpPr>
+      <p:grpSpPr>
+        <a:xfrm>
+          <a:off x="0" y="0"/>
+          <a:ext cx="0" cy="0"/>
+          <a:chOff x="0" y="0"/>
+          <a:chExt cx="0" cy="0"/>
+        </a:xfrm>
+      </p:grpSpPr>
+      <p:sp>
+        <p:nvSpPr>
+          <p:cNvPr id="2" name="Title 1">
+            <a:extLst>
+              <a:ext uri="{FF2B5EF4-FFF2-40B4-BE49-F238E27FC236}">
+                <a16:creationId xmlns:a16="http://schemas.microsoft.com/office/drawing/2014/main" id="{81746721-08F3-724B-B696-224E25EDA8DF}"/>
+              </a:ext>
+            </a:extLst>
+          </p:cNvPr>
+          <p:cNvSpPr>
+            <a:spLocks noGrp="1"/>
+          </p:cNvSpPr>
+          <p:nvPr>
+            <p:ph type="title"/>
+          </p:nvPr>
+        </p:nvSpPr>
+        <p:spPr/>
+        <p:txBody>
+          <a:bodyPr/>
+          <a:lstStyle/>
+          <a:p>
+            <a:r>
+              <a:rPr lang="en-US" dirty="0" err="1"/>
+              <a:t>Konsep</a:t>
+            </a:r>
+            <a:r>
+              <a:rPr lang="en-US" dirty="0"/>
+              <a:t> DOM dan </a:t>
+            </a:r>
+            <a:r>
+              <a:rPr lang="en-US" dirty="0" err="1"/>
+              <a:t>Kemampuan</a:t>
+            </a:r>
+            <a:r>
+              <a:rPr lang="en-US" dirty="0"/>
+              <a:t> </a:t>
+            </a:r>
+            <a:r>
+              <a:rPr lang="en-US" dirty="0" err="1"/>
+              <a:t>Javasript</a:t>
+            </a:r>
+            <a:endParaRPr lang="en-US" dirty="0"/>
+          </a:p>
+        </p:txBody>
+      </p:sp>
+      <p:sp>
+        <p:nvSpPr>
+          <p:cNvPr id="3" name="Content Placeholder 2">
+            <a:extLst>
+              <a:ext uri="{FF2B5EF4-FFF2-40B4-BE49-F238E27FC236}">
+                <a16:creationId xmlns:a16="http://schemas.microsoft.com/office/drawing/2014/main" id="{A8AAB866-89FA-1045-AF9A-9E3B94C3520A}"/>
+              </a:ext>
+            </a:extLst>
+          </p:cNvPr>
+          <p:cNvSpPr>
+            <a:spLocks noGrp="1"/>
+          </p:cNvSpPr>
+          <p:nvPr>
+            <p:ph idx="1"/>
+          </p:nvPr>
+        </p:nvSpPr>
+        <p:spPr/>
+        <p:txBody>
+          <a:bodyPr>
+            <a:normAutofit lnSpcReduction="10000"/>
+          </a:bodyPr>
+          <a:lstStyle/>
+          <a:p>
+            <a:r>
+              <a:rPr lang="en-ID" i="1" dirty="0"/>
+              <a:t>"The W3C Document Object Model (DOM) is a platform and language-neutral interface that allows programs and scripts to dynamically access and update the content, structure, and style of a document."</a:t>
+            </a:r>
+            <a:endParaRPr lang="en-ID" dirty="0"/>
+          </a:p>
+          <a:p>
+            <a:r>
+              <a:rPr lang="en-ID" dirty="0"/>
+              <a:t>JavaScript </a:t>
+            </a:r>
+            <a:r>
+              <a:rPr lang="en-ID" dirty="0" err="1"/>
+              <a:t>bisa</a:t>
+            </a:r>
+            <a:r>
+              <a:rPr lang="en-ID" dirty="0"/>
+              <a:t> </a:t>
+            </a:r>
+            <a:r>
+              <a:rPr lang="en-ID" dirty="0" err="1"/>
+              <a:t>merubah</a:t>
+            </a:r>
+            <a:r>
+              <a:rPr lang="en-ID" dirty="0"/>
+              <a:t> </a:t>
+            </a:r>
+            <a:r>
+              <a:rPr lang="en-ID" dirty="0" err="1"/>
+              <a:t>elemen</a:t>
+            </a:r>
+            <a:r>
+              <a:rPr lang="en-ID" dirty="0"/>
+              <a:t>-element HTML di </a:t>
+            </a:r>
+            <a:r>
+              <a:rPr lang="en-ID" dirty="0" err="1"/>
+              <a:t>suatu</a:t>
+            </a:r>
+            <a:r>
+              <a:rPr lang="en-ID" dirty="0"/>
+              <a:t> </a:t>
+            </a:r>
+            <a:r>
+              <a:rPr lang="en-ID" dirty="0" err="1"/>
+              <a:t>halaman</a:t>
+            </a:r>
+            <a:r>
+              <a:rPr lang="en-ID" dirty="0"/>
+              <a:t>.</a:t>
+            </a:r>
+          </a:p>
+          <a:p>
+            <a:r>
+              <a:rPr lang="en-ID" dirty="0"/>
+              <a:t>JavaScript </a:t>
+            </a:r>
+            <a:r>
+              <a:rPr lang="en-ID" dirty="0" err="1"/>
+              <a:t>bisa</a:t>
+            </a:r>
+            <a:r>
+              <a:rPr lang="en-ID" dirty="0"/>
+              <a:t> </a:t>
+            </a:r>
+            <a:r>
+              <a:rPr lang="en-ID" dirty="0" err="1"/>
+              <a:t>merubah</a:t>
+            </a:r>
+            <a:r>
+              <a:rPr lang="en-ID" dirty="0"/>
+              <a:t> </a:t>
+            </a:r>
+            <a:r>
+              <a:rPr lang="en-ID" dirty="0" err="1"/>
+              <a:t>atribut-atribut</a:t>
+            </a:r>
+            <a:r>
+              <a:rPr lang="en-ID" dirty="0"/>
+              <a:t> HTML di </a:t>
+            </a:r>
+            <a:r>
+              <a:rPr lang="en-ID" dirty="0" err="1"/>
+              <a:t>suatu</a:t>
+            </a:r>
+            <a:r>
+              <a:rPr lang="en-ID" dirty="0"/>
+              <a:t> </a:t>
+            </a:r>
+            <a:r>
+              <a:rPr lang="en-ID" dirty="0" err="1"/>
+              <a:t>halaman</a:t>
+            </a:r>
+            <a:r>
+              <a:rPr lang="en-ID" dirty="0"/>
+              <a:t>.</a:t>
+            </a:r>
+          </a:p>
+          <a:p>
+            <a:r>
+              <a:rPr lang="en-ID" dirty="0"/>
+              <a:t>JavaScript </a:t>
+            </a:r>
+            <a:r>
+              <a:rPr lang="en-ID" dirty="0" err="1"/>
+              <a:t>bisa</a:t>
+            </a:r>
+            <a:r>
+              <a:rPr lang="en-ID" dirty="0"/>
+              <a:t> </a:t>
+            </a:r>
+            <a:r>
+              <a:rPr lang="en-ID" dirty="0" err="1"/>
+              <a:t>merubah</a:t>
+            </a:r>
+            <a:r>
+              <a:rPr lang="en-ID" dirty="0"/>
+              <a:t> style CSS di </a:t>
+            </a:r>
+            <a:r>
+              <a:rPr lang="en-ID" dirty="0" err="1"/>
+              <a:t>suatu</a:t>
+            </a:r>
+            <a:r>
+              <a:rPr lang="en-ID" dirty="0"/>
+              <a:t> </a:t>
+            </a:r>
+            <a:r>
+              <a:rPr lang="en-ID" dirty="0" err="1"/>
+              <a:t>halaman</a:t>
+            </a:r>
+            <a:r>
+              <a:rPr lang="en-ID" dirty="0"/>
+              <a:t>.</a:t>
+            </a:r>
+          </a:p>
+          <a:p>
+            <a:r>
+              <a:rPr lang="en-ID" dirty="0"/>
+              <a:t>JavaScript </a:t>
+            </a:r>
+            <a:r>
+              <a:rPr lang="en-ID" dirty="0" err="1"/>
+              <a:t>mampu</a:t>
+            </a:r>
+            <a:r>
+              <a:rPr lang="en-ID" dirty="0"/>
+              <a:t> </a:t>
+            </a:r>
+            <a:r>
+              <a:rPr lang="en-ID" dirty="0" err="1"/>
+              <a:t>menambah</a:t>
+            </a:r>
+            <a:r>
+              <a:rPr lang="en-ID" dirty="0"/>
+              <a:t>/</a:t>
+            </a:r>
+            <a:r>
+              <a:rPr lang="en-ID" dirty="0" err="1"/>
+              <a:t>menghapus</a:t>
+            </a:r>
+            <a:r>
+              <a:rPr lang="en-ID" dirty="0"/>
+              <a:t> </a:t>
+            </a:r>
+            <a:r>
+              <a:rPr lang="en-ID" dirty="0" err="1"/>
+              <a:t>elemen</a:t>
+            </a:r>
+            <a:r>
+              <a:rPr lang="en-ID" dirty="0"/>
+              <a:t>-element dan </a:t>
+            </a:r>
+            <a:r>
+              <a:rPr lang="en-ID" dirty="0" err="1"/>
+              <a:t>atribut-atribut</a:t>
+            </a:r>
+            <a:r>
+              <a:rPr lang="en-ID" dirty="0"/>
+              <a:t> HTML.</a:t>
+            </a:r>
+          </a:p>
+          <a:p>
+            <a:r>
+              <a:rPr lang="en-ID" dirty="0" err="1"/>
+              <a:t>Javascript</a:t>
+            </a:r>
+            <a:r>
+              <a:rPr lang="en-ID" dirty="0"/>
+              <a:t> </a:t>
+            </a:r>
+            <a:r>
+              <a:rPr lang="en-ID" dirty="0" err="1"/>
+              <a:t>mampu</a:t>
+            </a:r>
+            <a:r>
+              <a:rPr lang="en-ID" dirty="0"/>
+              <a:t> </a:t>
+            </a:r>
+            <a:r>
+              <a:rPr lang="en-ID" dirty="0" err="1"/>
+              <a:t>membuat</a:t>
+            </a:r>
+            <a:r>
+              <a:rPr lang="en-ID" dirty="0"/>
+              <a:t> event HTML </a:t>
+            </a:r>
+            <a:r>
+              <a:rPr lang="en-ID" dirty="0" err="1"/>
+              <a:t>baru</a:t>
+            </a:r>
+            <a:endParaRPr lang="en-ID" dirty="0"/>
+          </a:p>
+          <a:p>
+            <a:endParaRPr lang="en-US" dirty="0"/>
+          </a:p>
+        </p:txBody>
+      </p:sp>
+    </p:spTree>
+    <p:extLst>
+      <p:ext uri="{BB962C8B-B14F-4D97-AF65-F5344CB8AC3E}">
+        <p14:creationId xmlns:p14="http://schemas.microsoft.com/office/powerpoint/2010/main" val="2144410961"/>
+      </p:ext>
+    </p:extLst>
+  </p:cSld>
+  <p:clrMapOvr>
+    <a:masterClrMapping/>
+  </p:clrMapOvr>
+</p:sld>
+</file>
+
+<file path=ppt/slides/slide40.xml><?xml version="1.0" encoding="utf-8"?>
 <p:sld xmlns:a="http://schemas.openxmlformats.org/drawingml/2006/main" xmlns:r="http://schemas.openxmlformats.org/officeDocument/2006/relationships" xmlns:p="http://schemas.openxmlformats.org/presentationml/2006/main">
   <p:cSld>
     <p:spTree>
@@ -26519,7 +27763,7 @@
 </p:sld>
 </file>
 
-<file path=ppt/slides/slide39.xml><?xml version="1.0" encoding="utf-8"?>
+<file path=ppt/slides/slide41.xml><?xml version="1.0" encoding="utf-8"?>
 <p:sld xmlns:a="http://schemas.openxmlformats.org/drawingml/2006/main" xmlns:r="http://schemas.openxmlformats.org/officeDocument/2006/relationships" xmlns:p="http://schemas.openxmlformats.org/presentationml/2006/main">
   <p:cSld>
     <p:spTree>
@@ -26603,7 +27847,91 @@
 </p:sld>
 </file>
 
-<file path=ppt/slides/slide4.xml><?xml version="1.0" encoding="utf-8"?>
+<file path=ppt/slides/slide42.xml><?xml version="1.0" encoding="utf-8"?>
+<p:sld xmlns:a="http://schemas.openxmlformats.org/drawingml/2006/main" xmlns:r="http://schemas.openxmlformats.org/officeDocument/2006/relationships" xmlns:p="http://schemas.openxmlformats.org/presentationml/2006/main">
+  <p:cSld>
+    <p:spTree>
+      <p:nvGrpSpPr>
+        <p:cNvPr id="1" name=""/>
+        <p:cNvGrpSpPr/>
+        <p:nvPr/>
+      </p:nvGrpSpPr>
+      <p:grpSpPr>
+        <a:xfrm>
+          <a:off x="0" y="0"/>
+          <a:ext cx="0" cy="0"/>
+          <a:chOff x="0" y="0"/>
+          <a:chExt cx="0" cy="0"/>
+        </a:xfrm>
+      </p:grpSpPr>
+      <p:sp>
+        <p:nvSpPr>
+          <p:cNvPr id="2" name="Title 1">
+            <a:extLst>
+              <a:ext uri="{FF2B5EF4-FFF2-40B4-BE49-F238E27FC236}">
+                <a16:creationId xmlns:a16="http://schemas.microsoft.com/office/drawing/2014/main" id="{E6B5B41C-EE38-4742-99E4-F9082AB61B83}"/>
+              </a:ext>
+            </a:extLst>
+          </p:cNvPr>
+          <p:cNvSpPr>
+            <a:spLocks noGrp="1"/>
+          </p:cNvSpPr>
+          <p:nvPr>
+            <p:ph type="title"/>
+          </p:nvPr>
+        </p:nvSpPr>
+        <p:spPr/>
+        <p:txBody>
+          <a:bodyPr/>
+          <a:lstStyle/>
+          <a:p>
+            <a:r>
+              <a:rPr lang="en-US" dirty="0" err="1"/>
+              <a:t>Index.js</a:t>
+            </a:r>
+            <a:endParaRPr lang="en-US" dirty="0"/>
+          </a:p>
+        </p:txBody>
+      </p:sp>
+      <p:sp>
+        <p:nvSpPr>
+          <p:cNvPr id="3" name="Content Placeholder 2">
+            <a:extLst>
+              <a:ext uri="{FF2B5EF4-FFF2-40B4-BE49-F238E27FC236}">
+                <a16:creationId xmlns:a16="http://schemas.microsoft.com/office/drawing/2014/main" id="{347B3DC9-B6ED-784E-9E20-3AAFDCBE1306}"/>
+              </a:ext>
+            </a:extLst>
+          </p:cNvPr>
+          <p:cNvSpPr>
+            <a:spLocks noGrp="1"/>
+          </p:cNvSpPr>
+          <p:nvPr>
+            <p:ph idx="1"/>
+          </p:nvPr>
+        </p:nvSpPr>
+        <p:spPr/>
+        <p:txBody>
+          <a:bodyPr/>
+          <a:lstStyle/>
+          <a:p>
+            <a:endParaRPr lang="en-US"/>
+          </a:p>
+        </p:txBody>
+      </p:sp>
+    </p:spTree>
+    <p:extLst>
+      <p:ext uri="{BB962C8B-B14F-4D97-AF65-F5344CB8AC3E}">
+        <p14:creationId xmlns:p14="http://schemas.microsoft.com/office/powerpoint/2010/main" val="2594878028"/>
+      </p:ext>
+    </p:extLst>
+  </p:cSld>
+  <p:clrMapOvr>
+    <a:masterClrMapping/>
+  </p:clrMapOvr>
+</p:sld>
+</file>
+
+<file path=ppt/slides/slide5.xml><?xml version="1.0" encoding="utf-8"?>
 <p:sld xmlns:a="http://schemas.openxmlformats.org/drawingml/2006/main" xmlns:r="http://schemas.openxmlformats.org/officeDocument/2006/relationships" xmlns:p="http://schemas.openxmlformats.org/presentationml/2006/main">
   <p:cSld>
     <p:spTree>
@@ -26710,91 +28038,7 @@
 </p:sld>
 </file>
 
-<file path=ppt/slides/slide40.xml><?xml version="1.0" encoding="utf-8"?>
-<p:sld xmlns:a="http://schemas.openxmlformats.org/drawingml/2006/main" xmlns:r="http://schemas.openxmlformats.org/officeDocument/2006/relationships" xmlns:p="http://schemas.openxmlformats.org/presentationml/2006/main">
-  <p:cSld>
-    <p:spTree>
-      <p:nvGrpSpPr>
-        <p:cNvPr id="1" name=""/>
-        <p:cNvGrpSpPr/>
-        <p:nvPr/>
-      </p:nvGrpSpPr>
-      <p:grpSpPr>
-        <a:xfrm>
-          <a:off x="0" y="0"/>
-          <a:ext cx="0" cy="0"/>
-          <a:chOff x="0" y="0"/>
-          <a:chExt cx="0" cy="0"/>
-        </a:xfrm>
-      </p:grpSpPr>
-      <p:sp>
-        <p:nvSpPr>
-          <p:cNvPr id="2" name="Title 1">
-            <a:extLst>
-              <a:ext uri="{FF2B5EF4-FFF2-40B4-BE49-F238E27FC236}">
-                <a16:creationId xmlns:a16="http://schemas.microsoft.com/office/drawing/2014/main" id="{E6B5B41C-EE38-4742-99E4-F9082AB61B83}"/>
-              </a:ext>
-            </a:extLst>
-          </p:cNvPr>
-          <p:cNvSpPr>
-            <a:spLocks noGrp="1"/>
-          </p:cNvSpPr>
-          <p:nvPr>
-            <p:ph type="title"/>
-          </p:nvPr>
-        </p:nvSpPr>
-        <p:spPr/>
-        <p:txBody>
-          <a:bodyPr/>
-          <a:lstStyle/>
-          <a:p>
-            <a:r>
-              <a:rPr lang="en-US" dirty="0" err="1"/>
-              <a:t>Index.js</a:t>
-            </a:r>
-            <a:endParaRPr lang="en-US" dirty="0"/>
-          </a:p>
-        </p:txBody>
-      </p:sp>
-      <p:sp>
-        <p:nvSpPr>
-          <p:cNvPr id="3" name="Content Placeholder 2">
-            <a:extLst>
-              <a:ext uri="{FF2B5EF4-FFF2-40B4-BE49-F238E27FC236}">
-                <a16:creationId xmlns:a16="http://schemas.microsoft.com/office/drawing/2014/main" id="{347B3DC9-B6ED-784E-9E20-3AAFDCBE1306}"/>
-              </a:ext>
-            </a:extLst>
-          </p:cNvPr>
-          <p:cNvSpPr>
-            <a:spLocks noGrp="1"/>
-          </p:cNvSpPr>
-          <p:nvPr>
-            <p:ph idx="1"/>
-          </p:nvPr>
-        </p:nvSpPr>
-        <p:spPr/>
-        <p:txBody>
-          <a:bodyPr/>
-          <a:lstStyle/>
-          <a:p>
-            <a:endParaRPr lang="en-US"/>
-          </a:p>
-        </p:txBody>
-      </p:sp>
-    </p:spTree>
-    <p:extLst>
-      <p:ext uri="{BB962C8B-B14F-4D97-AF65-F5344CB8AC3E}">
-        <p14:creationId xmlns:p14="http://schemas.microsoft.com/office/powerpoint/2010/main" val="2594878028"/>
-      </p:ext>
-    </p:extLst>
-  </p:cSld>
-  <p:clrMapOvr>
-    <a:masterClrMapping/>
-  </p:clrMapOvr>
-</p:sld>
-</file>
-
-<file path=ppt/slides/slide5.xml><?xml version="1.0" encoding="utf-8"?>
+<file path=ppt/slides/slide6.xml><?xml version="1.0" encoding="utf-8"?>
 <p:sld xmlns:a="http://schemas.openxmlformats.org/drawingml/2006/main" xmlns:r="http://schemas.openxmlformats.org/officeDocument/2006/relationships" xmlns:p="http://schemas.openxmlformats.org/presentationml/2006/main">
   <p:cSld>
     <p:spTree>
@@ -26877,8 +28121,12 @@
           <a:p>
             <a:pPr lvl="1"/>
             <a:r>
+              <a:rPr lang="en-US" dirty="0" err="1"/>
+              <a:t>Coba</a:t>
+            </a:r>
+            <a:r>
               <a:rPr lang="en-US" dirty="0"/>
-              <a:t>Try it: </a:t>
+              <a:t> : </a:t>
             </a:r>
             <a:r>
               <a:rPr lang="en-US" dirty="0">
@@ -26894,9 +28142,10 @@
           </a:p>
           <a:p>
             <a:r>
-              <a:rPr lang="en-US" dirty="0"/>
-              <a:t>Components</a:t>
-            </a:r>
+              <a:rPr lang="en-US" dirty="0" err="1"/>
+              <a:t>Komponen-komponen</a:t>
+            </a:r>
+            <a:endParaRPr lang="en-US" dirty="0"/>
           </a:p>
           <a:p>
             <a:pPr lvl="1"/>
@@ -26927,7 +28176,7 @@
           <a:p>
             <a:r>
               <a:rPr lang="en-US" dirty="0"/>
-              <a:t>The virtual DOM</a:t>
+              <a:t>Virtual DOM</a:t>
             </a:r>
           </a:p>
         </p:txBody>
@@ -26954,7 +28203,7 @@
         </p:blipFill>
         <p:spPr>
           <a:xfrm>
-            <a:off x="6983239" y="1136478"/>
+            <a:off x="6096000" y="545995"/>
             <a:ext cx="4168307" cy="2122163"/>
           </a:xfrm>
           <a:prstGeom prst="rect">
@@ -26984,8 +28233,8 @@
         </p:blipFill>
         <p:spPr>
           <a:xfrm>
-            <a:off x="6096000" y="3702900"/>
-            <a:ext cx="4418547" cy="2474063"/>
+            <a:off x="6096000" y="3068878"/>
+            <a:ext cx="5550879" cy="3108086"/>
           </a:xfrm>
           <a:prstGeom prst="rect">
             <a:avLst/>
@@ -27005,7 +28254,7 @@
 </p:sld>
 </file>
 
-<file path=ppt/slides/slide6.xml><?xml version="1.0" encoding="utf-8"?>
+<file path=ppt/slides/slide7.xml><?xml version="1.0" encoding="utf-8"?>
 <p:sld xmlns:a="http://schemas.openxmlformats.org/drawingml/2006/main" xmlns:r="http://schemas.openxmlformats.org/officeDocument/2006/relationships" xmlns:p="http://schemas.openxmlformats.org/presentationml/2006/main">
   <p:cSld>
     <p:spTree>
@@ -27022,34 +28271,6 @@
           <a:chExt cx="0" cy="0"/>
         </a:xfrm>
       </p:grpSpPr>
-      <p:sp>
-        <p:nvSpPr>
-          <p:cNvPr id="2" name="Title 1">
-            <a:extLst>
-              <a:ext uri="{FF2B5EF4-FFF2-40B4-BE49-F238E27FC236}">
-                <a16:creationId xmlns:a16="http://schemas.microsoft.com/office/drawing/2014/main" id="{91F482D4-D69D-8748-AA75-68A5F8FB0E03}"/>
-              </a:ext>
-            </a:extLst>
-          </p:cNvPr>
-          <p:cNvSpPr>
-            <a:spLocks noGrp="1"/>
-          </p:cNvSpPr>
-          <p:nvPr>
-            <p:ph type="title"/>
-          </p:nvPr>
-        </p:nvSpPr>
-        <p:spPr/>
-        <p:txBody>
-          <a:bodyPr/>
-          <a:lstStyle/>
-          <a:p>
-            <a:r>
-              <a:rPr lang="en-US" dirty="0"/>
-              <a:t>DOM Virtual</a:t>
-            </a:r>
-          </a:p>
-        </p:txBody>
-      </p:sp>
       <p:pic>
         <p:nvPicPr>
           <p:cNvPr id="4" name="Picture 2" descr="enter image description here">
@@ -27081,8 +28302,8 @@
         </p:blipFill>
         <p:spPr bwMode="auto">
           <a:xfrm>
-            <a:off x="2999498" y="1278833"/>
-            <a:ext cx="6971219" cy="4898130"/>
+            <a:off x="2999498" y="46684"/>
+            <a:ext cx="8724864" cy="6130279"/>
           </a:xfrm>
           <a:prstGeom prst="rect">
             <a:avLst/>
@@ -27137,6 +28358,34 @@
           </a:p>
         </p:txBody>
       </p:sp>
+      <p:sp>
+        <p:nvSpPr>
+          <p:cNvPr id="2" name="Title 1">
+            <a:extLst>
+              <a:ext uri="{FF2B5EF4-FFF2-40B4-BE49-F238E27FC236}">
+                <a16:creationId xmlns:a16="http://schemas.microsoft.com/office/drawing/2014/main" id="{91F482D4-D69D-8748-AA75-68A5F8FB0E03}"/>
+              </a:ext>
+            </a:extLst>
+          </p:cNvPr>
+          <p:cNvSpPr>
+            <a:spLocks noGrp="1"/>
+          </p:cNvSpPr>
+          <p:nvPr>
+            <p:ph type="title"/>
+          </p:nvPr>
+        </p:nvSpPr>
+        <p:spPr/>
+        <p:txBody>
+          <a:bodyPr/>
+          <a:lstStyle/>
+          <a:p>
+            <a:r>
+              <a:rPr lang="en-US" dirty="0"/>
+              <a:t>DOM Virtual</a:t>
+            </a:r>
+          </a:p>
+        </p:txBody>
+      </p:sp>
     </p:spTree>
     <p:extLst>
       <p:ext uri="{BB962C8B-B14F-4D97-AF65-F5344CB8AC3E}">
@@ -27150,7 +28399,7 @@
 </p:sld>
 </file>
 
-<file path=ppt/slides/slide7.xml><?xml version="1.0" encoding="utf-8"?>
+<file path=ppt/slides/slide8.xml><?xml version="1.0" encoding="utf-8"?>
 <p:sld xmlns:a="http://schemas.openxmlformats.org/drawingml/2006/main" xmlns:r="http://schemas.openxmlformats.org/officeDocument/2006/relationships" xmlns:p="http://schemas.openxmlformats.org/presentationml/2006/main">
   <p:cSld>
     <p:spTree>
@@ -27343,7 +28592,7 @@
 </p:sld>
 </file>
 
-<file path=ppt/slides/slide8.xml><?xml version="1.0" encoding="utf-8"?>
+<file path=ppt/slides/slide9.xml><?xml version="1.0" encoding="utf-8"?>
 <p:sld xmlns:a="http://schemas.openxmlformats.org/drawingml/2006/main" xmlns:r="http://schemas.openxmlformats.org/officeDocument/2006/relationships" xmlns:p="http://schemas.openxmlformats.org/presentationml/2006/main">
   <p:cSld>
     <p:spTree>
@@ -27534,544 +28783,6 @@
     <p:extLst>
       <p:ext uri="{BB962C8B-B14F-4D97-AF65-F5344CB8AC3E}">
         <p14:creationId xmlns:p14="http://schemas.microsoft.com/office/powerpoint/2010/main" val="2139352292"/>
-      </p:ext>
-    </p:extLst>
-  </p:cSld>
-  <p:clrMapOvr>
-    <a:masterClrMapping/>
-  </p:clrMapOvr>
-</p:sld>
-</file>
-
-<file path=ppt/slides/slide9.xml><?xml version="1.0" encoding="utf-8"?>
-<p:sld xmlns:a="http://schemas.openxmlformats.org/drawingml/2006/main" xmlns:r="http://schemas.openxmlformats.org/officeDocument/2006/relationships" xmlns:p="http://schemas.openxmlformats.org/presentationml/2006/main">
-  <p:cSld>
-    <p:spTree>
-      <p:nvGrpSpPr>
-        <p:cNvPr id="1" name=""/>
-        <p:cNvGrpSpPr/>
-        <p:nvPr/>
-      </p:nvGrpSpPr>
-      <p:grpSpPr>
-        <a:xfrm>
-          <a:off x="0" y="0"/>
-          <a:ext cx="0" cy="0"/>
-          <a:chOff x="0" y="0"/>
-          <a:chExt cx="0" cy="0"/>
-        </a:xfrm>
-      </p:grpSpPr>
-      <p:sp>
-        <p:nvSpPr>
-          <p:cNvPr id="2" name="Title 1">
-            <a:extLst>
-              <a:ext uri="{FF2B5EF4-FFF2-40B4-BE49-F238E27FC236}">
-                <a16:creationId xmlns:a16="http://schemas.microsoft.com/office/drawing/2014/main" id="{B2BC4354-ACB1-7B48-BA7C-9BD7D26121C8}"/>
-              </a:ext>
-            </a:extLst>
-          </p:cNvPr>
-          <p:cNvSpPr>
-            <a:spLocks noGrp="1"/>
-          </p:cNvSpPr>
-          <p:nvPr>
-            <p:ph type="title"/>
-          </p:nvPr>
-        </p:nvSpPr>
-        <p:spPr/>
-        <p:txBody>
-          <a:bodyPr/>
-          <a:lstStyle/>
-          <a:p>
-            <a:r>
-              <a:rPr lang="en-US" dirty="0"/>
-              <a:t>Compiler, Server and Loaders</a:t>
-            </a:r>
-          </a:p>
-        </p:txBody>
-      </p:sp>
-      <p:sp>
-        <p:nvSpPr>
-          <p:cNvPr id="3" name="Content Placeholder 2">
-            <a:extLst>
-              <a:ext uri="{FF2B5EF4-FFF2-40B4-BE49-F238E27FC236}">
-                <a16:creationId xmlns:a16="http://schemas.microsoft.com/office/drawing/2014/main" id="{917B16B2-3A99-BA40-A3A6-DE6C2628A3FD}"/>
-              </a:ext>
-            </a:extLst>
-          </p:cNvPr>
-          <p:cNvSpPr>
-            <a:spLocks noGrp="1"/>
-          </p:cNvSpPr>
-          <p:nvPr>
-            <p:ph idx="1"/>
-          </p:nvPr>
-        </p:nvSpPr>
-        <p:spPr/>
-        <p:txBody>
-          <a:bodyPr/>
-          <a:lstStyle/>
-          <a:p>
-            <a:pPr>
-              <a:spcBef>
-                <a:spcPts val="0"/>
-              </a:spcBef>
-            </a:pPr>
-            <a:r>
-              <a:rPr lang="en-US" sz="1400" dirty="0">
-                <a:latin typeface="Century Gothic (Headings)"/>
-                <a:cs typeface="Courier New" panose="02070309020205020404" pitchFamily="49" charset="0"/>
-              </a:rPr>
-              <a:t>create </a:t>
-            </a:r>
-            <a:r>
-              <a:rPr lang="en-US" sz="1400" dirty="0" err="1">
-                <a:latin typeface="Century Gothic (Headings)"/>
-                <a:cs typeface="Courier New" panose="02070309020205020404" pitchFamily="49" charset="0"/>
-              </a:rPr>
-              <a:t>webpack.config.js</a:t>
-            </a:r>
-            <a:endParaRPr lang="en-US" sz="1400" dirty="0">
-              <a:latin typeface="Century Gothic (Headings)"/>
-              <a:cs typeface="Courier New" panose="02070309020205020404" pitchFamily="49" charset="0"/>
-            </a:endParaRPr>
-          </a:p>
-          <a:p>
-            <a:pPr>
-              <a:spcBef>
-                <a:spcPts val="0"/>
-              </a:spcBef>
-            </a:pPr>
-            <a:endParaRPr lang="en-US" sz="1400" dirty="0">
-              <a:latin typeface="Century Gothic (Headings)"/>
-              <a:cs typeface="Courier New" panose="02070309020205020404" pitchFamily="49" charset="0"/>
-            </a:endParaRPr>
-          </a:p>
-          <a:p>
-            <a:pPr marL="400050" lvl="1" indent="0">
-              <a:spcBef>
-                <a:spcPts val="0"/>
-              </a:spcBef>
-              <a:buNone/>
-            </a:pPr>
-            <a:r>
-              <a:rPr lang="en-US" sz="1200" dirty="0">
-                <a:latin typeface="Courier New" panose="02070309020205020404" pitchFamily="49" charset="0"/>
-                <a:cs typeface="Courier New" panose="02070309020205020404" pitchFamily="49" charset="0"/>
-              </a:rPr>
-              <a:t>var config = {</a:t>
-            </a:r>
-          </a:p>
-          <a:p>
-            <a:pPr marL="400050" lvl="1" indent="0">
-              <a:spcBef>
-                <a:spcPts val="0"/>
-              </a:spcBef>
-              <a:buNone/>
-            </a:pPr>
-            <a:r>
-              <a:rPr lang="en-US" sz="1200" dirty="0">
-                <a:latin typeface="Courier New" panose="02070309020205020404" pitchFamily="49" charset="0"/>
-                <a:cs typeface="Courier New" panose="02070309020205020404" pitchFamily="49" charset="0"/>
-              </a:rPr>
-              <a:t>   entry: './</a:t>
-            </a:r>
-            <a:r>
-              <a:rPr lang="en-US" sz="1200" dirty="0" err="1">
-                <a:latin typeface="Courier New" panose="02070309020205020404" pitchFamily="49" charset="0"/>
-                <a:cs typeface="Courier New" panose="02070309020205020404" pitchFamily="49" charset="0"/>
-              </a:rPr>
-              <a:t>src</a:t>
-            </a:r>
-            <a:r>
-              <a:rPr lang="en-US" sz="1200" dirty="0">
-                <a:latin typeface="Courier New" panose="02070309020205020404" pitchFamily="49" charset="0"/>
-                <a:cs typeface="Courier New" panose="02070309020205020404" pitchFamily="49" charset="0"/>
-              </a:rPr>
-              <a:t>/</a:t>
-            </a:r>
-            <a:r>
-              <a:rPr lang="en-US" sz="1200" dirty="0" err="1">
-                <a:latin typeface="Courier New" panose="02070309020205020404" pitchFamily="49" charset="0"/>
-                <a:cs typeface="Courier New" panose="02070309020205020404" pitchFamily="49" charset="0"/>
-              </a:rPr>
-              <a:t>index.js</a:t>
-            </a:r>
-            <a:r>
-              <a:rPr lang="en-US" sz="1200" dirty="0">
-                <a:latin typeface="Courier New" panose="02070309020205020404" pitchFamily="49" charset="0"/>
-                <a:cs typeface="Courier New" panose="02070309020205020404" pitchFamily="49" charset="0"/>
-              </a:rPr>
-              <a:t>',</a:t>
-            </a:r>
-          </a:p>
-          <a:p>
-            <a:pPr marL="400050" lvl="1" indent="0">
-              <a:spcBef>
-                <a:spcPts val="0"/>
-              </a:spcBef>
-              <a:buNone/>
-            </a:pPr>
-            <a:r>
-              <a:rPr lang="en-US" sz="1200" dirty="0">
-                <a:latin typeface="Courier New" panose="02070309020205020404" pitchFamily="49" charset="0"/>
-                <a:cs typeface="Courier New" panose="02070309020205020404" pitchFamily="49" charset="0"/>
-              </a:rPr>
-              <a:t>   output: {</a:t>
-            </a:r>
-          </a:p>
-          <a:p>
-            <a:pPr marL="400050" lvl="1" indent="0">
-              <a:spcBef>
-                <a:spcPts val="0"/>
-              </a:spcBef>
-              <a:buNone/>
-            </a:pPr>
-            <a:r>
-              <a:rPr lang="en-US" sz="1200" dirty="0">
-                <a:latin typeface="Courier New" panose="02070309020205020404" pitchFamily="49" charset="0"/>
-                <a:cs typeface="Courier New" panose="02070309020205020404" pitchFamily="49" charset="0"/>
-              </a:rPr>
-              <a:t>      path:'/',</a:t>
-            </a:r>
-          </a:p>
-          <a:p>
-            <a:pPr marL="400050" lvl="1" indent="0">
-              <a:spcBef>
-                <a:spcPts val="0"/>
-              </a:spcBef>
-              <a:buNone/>
-            </a:pPr>
-            <a:r>
-              <a:rPr lang="en-US" sz="1200" dirty="0">
-                <a:latin typeface="Courier New" panose="02070309020205020404" pitchFamily="49" charset="0"/>
-                <a:cs typeface="Courier New" panose="02070309020205020404" pitchFamily="49" charset="0"/>
-              </a:rPr>
-              <a:t>      filename: '</a:t>
-            </a:r>
-            <a:r>
-              <a:rPr lang="en-US" sz="1200" dirty="0" err="1">
-                <a:latin typeface="Courier New" panose="02070309020205020404" pitchFamily="49" charset="0"/>
-                <a:cs typeface="Courier New" panose="02070309020205020404" pitchFamily="49" charset="0"/>
-              </a:rPr>
-              <a:t>bundle.js</a:t>
-            </a:r>
-            <a:r>
-              <a:rPr lang="en-US" sz="1200" dirty="0">
-                <a:latin typeface="Courier New" panose="02070309020205020404" pitchFamily="49" charset="0"/>
-                <a:cs typeface="Courier New" panose="02070309020205020404" pitchFamily="49" charset="0"/>
-              </a:rPr>
-              <a:t>',</a:t>
-            </a:r>
-          </a:p>
-          <a:p>
-            <a:pPr marL="400050" lvl="1" indent="0">
-              <a:spcBef>
-                <a:spcPts val="0"/>
-              </a:spcBef>
-              <a:buNone/>
-            </a:pPr>
-            <a:r>
-              <a:rPr lang="en-US" sz="1200" dirty="0">
-                <a:latin typeface="Courier New" panose="02070309020205020404" pitchFamily="49" charset="0"/>
-                <a:cs typeface="Courier New" panose="02070309020205020404" pitchFamily="49" charset="0"/>
-              </a:rPr>
-              <a:t>   },</a:t>
-            </a:r>
-          </a:p>
-          <a:p>
-            <a:pPr marL="400050" lvl="1" indent="0">
-              <a:spcBef>
-                <a:spcPts val="0"/>
-              </a:spcBef>
-              <a:buNone/>
-            </a:pPr>
-            <a:r>
-              <a:rPr lang="en-US" sz="1200" dirty="0">
-                <a:latin typeface="Courier New" panose="02070309020205020404" pitchFamily="49" charset="0"/>
-                <a:cs typeface="Courier New" panose="02070309020205020404" pitchFamily="49" charset="0"/>
-              </a:rPr>
-              <a:t>   </a:t>
-            </a:r>
-            <a:r>
-              <a:rPr lang="en-US" sz="1200" dirty="0" err="1">
-                <a:latin typeface="Courier New" panose="02070309020205020404" pitchFamily="49" charset="0"/>
-                <a:cs typeface="Courier New" panose="02070309020205020404" pitchFamily="49" charset="0"/>
-              </a:rPr>
-              <a:t>devServer</a:t>
-            </a:r>
-            <a:r>
-              <a:rPr lang="en-US" sz="1200" dirty="0">
-                <a:latin typeface="Courier New" panose="02070309020205020404" pitchFamily="49" charset="0"/>
-                <a:cs typeface="Courier New" panose="02070309020205020404" pitchFamily="49" charset="0"/>
-              </a:rPr>
-              <a:t>: {</a:t>
-            </a:r>
-          </a:p>
-          <a:p>
-            <a:pPr marL="400050" lvl="1" indent="0">
-              <a:spcBef>
-                <a:spcPts val="0"/>
-              </a:spcBef>
-              <a:buNone/>
-            </a:pPr>
-            <a:r>
-              <a:rPr lang="en-US" sz="1200" dirty="0">
-                <a:latin typeface="Courier New" panose="02070309020205020404" pitchFamily="49" charset="0"/>
-                <a:cs typeface="Courier New" panose="02070309020205020404" pitchFamily="49" charset="0"/>
-              </a:rPr>
-              <a:t>      inline: true,</a:t>
-            </a:r>
-          </a:p>
-          <a:p>
-            <a:pPr marL="400050" lvl="1" indent="0">
-              <a:spcBef>
-                <a:spcPts val="0"/>
-              </a:spcBef>
-              <a:buNone/>
-            </a:pPr>
-            <a:r>
-              <a:rPr lang="en-US" sz="1200" dirty="0">
-                <a:latin typeface="Courier New" panose="02070309020205020404" pitchFamily="49" charset="0"/>
-                <a:cs typeface="Courier New" panose="02070309020205020404" pitchFamily="49" charset="0"/>
-              </a:rPr>
-              <a:t>      port: 8080</a:t>
-            </a:r>
-          </a:p>
-          <a:p>
-            <a:pPr marL="400050" lvl="1" indent="0">
-              <a:spcBef>
-                <a:spcPts val="0"/>
-              </a:spcBef>
-              <a:buNone/>
-            </a:pPr>
-            <a:r>
-              <a:rPr lang="en-US" sz="1200" dirty="0">
-                <a:latin typeface="Courier New" panose="02070309020205020404" pitchFamily="49" charset="0"/>
-                <a:cs typeface="Courier New" panose="02070309020205020404" pitchFamily="49" charset="0"/>
-              </a:rPr>
-              <a:t>   },</a:t>
-            </a:r>
-          </a:p>
-          <a:p>
-            <a:pPr marL="400050" lvl="1" indent="0">
-              <a:spcBef>
-                <a:spcPts val="0"/>
-              </a:spcBef>
-              <a:buNone/>
-            </a:pPr>
-            <a:r>
-              <a:rPr lang="en-US" sz="1200" dirty="0">
-                <a:latin typeface="Courier New" panose="02070309020205020404" pitchFamily="49" charset="0"/>
-                <a:cs typeface="Courier New" panose="02070309020205020404" pitchFamily="49" charset="0"/>
-              </a:rPr>
-              <a:t>   module: {</a:t>
-            </a:r>
-          </a:p>
-          <a:p>
-            <a:pPr marL="400050" lvl="1" indent="0">
-              <a:spcBef>
-                <a:spcPts val="0"/>
-              </a:spcBef>
-              <a:buNone/>
-            </a:pPr>
-            <a:r>
-              <a:rPr lang="en-US" sz="1200" dirty="0">
-                <a:latin typeface="Courier New" panose="02070309020205020404" pitchFamily="49" charset="0"/>
-                <a:cs typeface="Courier New" panose="02070309020205020404" pitchFamily="49" charset="0"/>
-              </a:rPr>
-              <a:t>      loaders: [</a:t>
-            </a:r>
-          </a:p>
-          <a:p>
-            <a:pPr marL="400050" lvl="1" indent="0">
-              <a:spcBef>
-                <a:spcPts val="0"/>
-              </a:spcBef>
-              <a:buNone/>
-            </a:pPr>
-            <a:r>
-              <a:rPr lang="en-US" sz="1200" dirty="0">
-                <a:latin typeface="Courier New" panose="02070309020205020404" pitchFamily="49" charset="0"/>
-                <a:cs typeface="Courier New" panose="02070309020205020404" pitchFamily="49" charset="0"/>
-              </a:rPr>
-              <a:t>         {            </a:t>
-            </a:r>
-          </a:p>
-          <a:p>
-            <a:pPr marL="400050" lvl="1" indent="0">
-              <a:spcBef>
-                <a:spcPts val="0"/>
-              </a:spcBef>
-              <a:buNone/>
-            </a:pPr>
-            <a:r>
-              <a:rPr lang="en-US" sz="1200" dirty="0">
-                <a:latin typeface="Courier New" panose="02070309020205020404" pitchFamily="49" charset="0"/>
-                <a:cs typeface="Courier New" panose="02070309020205020404" pitchFamily="49" charset="0"/>
-              </a:rPr>
-              <a:t>            exclude: /</a:t>
-            </a:r>
-            <a:r>
-              <a:rPr lang="en-US" sz="1200" dirty="0" err="1">
-                <a:latin typeface="Courier New" panose="02070309020205020404" pitchFamily="49" charset="0"/>
-                <a:cs typeface="Courier New" panose="02070309020205020404" pitchFamily="49" charset="0"/>
-              </a:rPr>
-              <a:t>node_modules</a:t>
-            </a:r>
-            <a:r>
-              <a:rPr lang="en-US" sz="1200" dirty="0">
-                <a:latin typeface="Courier New" panose="02070309020205020404" pitchFamily="49" charset="0"/>
-                <a:cs typeface="Courier New" panose="02070309020205020404" pitchFamily="49" charset="0"/>
-              </a:rPr>
-              <a:t>/,</a:t>
-            </a:r>
-          </a:p>
-          <a:p>
-            <a:pPr marL="400050" lvl="1" indent="0">
-              <a:spcBef>
-                <a:spcPts val="0"/>
-              </a:spcBef>
-              <a:buNone/>
-            </a:pPr>
-            <a:r>
-              <a:rPr lang="en-US" sz="1200" dirty="0">
-                <a:latin typeface="Courier New" panose="02070309020205020404" pitchFamily="49" charset="0"/>
-                <a:cs typeface="Courier New" panose="02070309020205020404" pitchFamily="49" charset="0"/>
-              </a:rPr>
-              <a:t>            loader: 'babel-loader',</a:t>
-            </a:r>
-          </a:p>
-          <a:p>
-            <a:pPr marL="400050" lvl="1" indent="0">
-              <a:spcBef>
-                <a:spcPts val="0"/>
-              </a:spcBef>
-              <a:buNone/>
-            </a:pPr>
-            <a:r>
-              <a:rPr lang="en-US" sz="1200" dirty="0">
-                <a:latin typeface="Courier New" panose="02070309020205020404" pitchFamily="49" charset="0"/>
-                <a:cs typeface="Courier New" panose="02070309020205020404" pitchFamily="49" charset="0"/>
-              </a:rPr>
-              <a:t>            query: {</a:t>
-            </a:r>
-          </a:p>
-          <a:p>
-            <a:pPr marL="400050" lvl="1" indent="0">
-              <a:spcBef>
-                <a:spcPts val="0"/>
-              </a:spcBef>
-              <a:buNone/>
-            </a:pPr>
-            <a:r>
-              <a:rPr lang="en-US" sz="1200" dirty="0">
-                <a:latin typeface="Courier New" panose="02070309020205020404" pitchFamily="49" charset="0"/>
-                <a:cs typeface="Courier New" panose="02070309020205020404" pitchFamily="49" charset="0"/>
-              </a:rPr>
-              <a:t>               presets: ['es2015', 'react']</a:t>
-            </a:r>
-          </a:p>
-          <a:p>
-            <a:pPr marL="400050" lvl="1" indent="0">
-              <a:spcBef>
-                <a:spcPts val="0"/>
-              </a:spcBef>
-              <a:buNone/>
-            </a:pPr>
-            <a:r>
-              <a:rPr lang="en-US" sz="1200" dirty="0">
-                <a:latin typeface="Courier New" panose="02070309020205020404" pitchFamily="49" charset="0"/>
-                <a:cs typeface="Courier New" panose="02070309020205020404" pitchFamily="49" charset="0"/>
-              </a:rPr>
-              <a:t>            }</a:t>
-            </a:r>
-          </a:p>
-          <a:p>
-            <a:pPr marL="400050" lvl="1" indent="0">
-              <a:spcBef>
-                <a:spcPts val="0"/>
-              </a:spcBef>
-              <a:buNone/>
-            </a:pPr>
-            <a:r>
-              <a:rPr lang="en-US" sz="1200" dirty="0">
-                <a:latin typeface="Courier New" panose="02070309020205020404" pitchFamily="49" charset="0"/>
-                <a:cs typeface="Courier New" panose="02070309020205020404" pitchFamily="49" charset="0"/>
-              </a:rPr>
-              <a:t>         }</a:t>
-            </a:r>
-          </a:p>
-          <a:p>
-            <a:pPr marL="400050" lvl="1" indent="0">
-              <a:spcBef>
-                <a:spcPts val="0"/>
-              </a:spcBef>
-              <a:buNone/>
-            </a:pPr>
-            <a:r>
-              <a:rPr lang="en-US" sz="1200" dirty="0">
-                <a:latin typeface="Courier New" panose="02070309020205020404" pitchFamily="49" charset="0"/>
-                <a:cs typeface="Courier New" panose="02070309020205020404" pitchFamily="49" charset="0"/>
-              </a:rPr>
-              <a:t>      ]</a:t>
-            </a:r>
-          </a:p>
-          <a:p>
-            <a:pPr marL="400050" lvl="1" indent="0">
-              <a:spcBef>
-                <a:spcPts val="0"/>
-              </a:spcBef>
-              <a:buNone/>
-            </a:pPr>
-            <a:r>
-              <a:rPr lang="en-US" sz="1200" dirty="0">
-                <a:latin typeface="Courier New" panose="02070309020205020404" pitchFamily="49" charset="0"/>
-                <a:cs typeface="Courier New" panose="02070309020205020404" pitchFamily="49" charset="0"/>
-              </a:rPr>
-              <a:t>   }</a:t>
-            </a:r>
-          </a:p>
-          <a:p>
-            <a:pPr marL="400050" lvl="1" indent="0">
-              <a:spcBef>
-                <a:spcPts val="0"/>
-              </a:spcBef>
-              <a:buNone/>
-            </a:pPr>
-            <a:r>
-              <a:rPr lang="en-US" sz="1200" dirty="0">
-                <a:latin typeface="Courier New" panose="02070309020205020404" pitchFamily="49" charset="0"/>
-                <a:cs typeface="Courier New" panose="02070309020205020404" pitchFamily="49" charset="0"/>
-              </a:rPr>
-              <a:t>}</a:t>
-            </a:r>
-          </a:p>
-          <a:p>
-            <a:pPr marL="400050" lvl="1" indent="0">
-              <a:spcBef>
-                <a:spcPts val="0"/>
-              </a:spcBef>
-              <a:buNone/>
-            </a:pPr>
-            <a:r>
-              <a:rPr lang="en-US" sz="1200" dirty="0" err="1">
-                <a:latin typeface="Courier New" panose="02070309020205020404" pitchFamily="49" charset="0"/>
-                <a:cs typeface="Courier New" panose="02070309020205020404" pitchFamily="49" charset="0"/>
-              </a:rPr>
-              <a:t>module.exports</a:t>
-            </a:r>
-            <a:r>
-              <a:rPr lang="en-US" sz="1200" dirty="0">
-                <a:latin typeface="Courier New" panose="02070309020205020404" pitchFamily="49" charset="0"/>
-                <a:cs typeface="Courier New" panose="02070309020205020404" pitchFamily="49" charset="0"/>
-              </a:rPr>
-              <a:t> = config;</a:t>
-            </a:r>
-          </a:p>
-        </p:txBody>
-      </p:sp>
-    </p:spTree>
-    <p:extLst>
-      <p:ext uri="{BB962C8B-B14F-4D97-AF65-F5344CB8AC3E}">
-        <p14:creationId xmlns:p14="http://schemas.microsoft.com/office/powerpoint/2010/main" val="2637825004"/>
       </p:ext>
     </p:extLst>
   </p:cSld>
